--- a/Lection_1_Introduction.pptx
+++ b/Lection_1_Introduction.pptx
@@ -5,10 +5,10 @@
     <p:sldMasterId id="2147483746" r:id="rId1"/>
   </p:sldMasterIdLst>
   <p:notesMasterIdLst>
-    <p:notesMasterId r:id="rId21"/>
+    <p:notesMasterId r:id="rId25"/>
   </p:notesMasterIdLst>
   <p:handoutMasterIdLst>
-    <p:handoutMasterId r:id="rId22"/>
+    <p:handoutMasterId r:id="rId26"/>
   </p:handoutMasterIdLst>
   <p:sldIdLst>
     <p:sldId id="257" r:id="rId2"/>
@@ -23,13 +23,17 @@
     <p:sldId id="268" r:id="rId11"/>
     <p:sldId id="269" r:id="rId12"/>
     <p:sldId id="270" r:id="rId13"/>
-    <p:sldId id="271" r:id="rId14"/>
-    <p:sldId id="272" r:id="rId15"/>
-    <p:sldId id="273" r:id="rId16"/>
-    <p:sldId id="274" r:id="rId17"/>
-    <p:sldId id="275" r:id="rId18"/>
-    <p:sldId id="276" r:id="rId19"/>
-    <p:sldId id="277" r:id="rId20"/>
+    <p:sldId id="281" r:id="rId14"/>
+    <p:sldId id="278" r:id="rId15"/>
+    <p:sldId id="280" r:id="rId16"/>
+    <p:sldId id="282" r:id="rId17"/>
+    <p:sldId id="271" r:id="rId18"/>
+    <p:sldId id="272" r:id="rId19"/>
+    <p:sldId id="273" r:id="rId20"/>
+    <p:sldId id="274" r:id="rId21"/>
+    <p:sldId id="275" r:id="rId22"/>
+    <p:sldId id="276" r:id="rId23"/>
+    <p:sldId id="277" r:id="rId24"/>
   </p:sldIdLst>
   <p:sldSz cx="12192000" cy="6858000"/>
   <p:notesSz cx="6858000" cy="9144000"/>
@@ -223,7 +227,7 @@
             <a:pPr rtl="0"/>
             <a:fld id="{1E51D080-0FA4-452C-BE9C-57B885F95115}" type="datetime1">
               <a:rPr lang="ru-RU" smtClean="0"/>
-              <a:t>13.04.2022</a:t>
+              <a:t>02.07.2022</a:t>
             </a:fld>
             <a:endParaRPr lang="en-US" dirty="0"/>
           </a:p>
@@ -393,7 +397,7 @@
             <a:pPr rtl="0"/>
             <a:fld id="{A68A2903-BD5A-4833-B0CA-AB5B8165171B}" type="datetime1">
               <a:rPr lang="ru-RU" smtClean="0"/>
-              <a:t>13.04.2022</a:t>
+              <a:t>02.07.2022</a:t>
             </a:fld>
             <a:endParaRPr lang="en-US"/>
           </a:p>
@@ -914,7 +918,7 @@
             <a:pPr rtl="0"/>
             <a:fld id="{8D4DAEB3-2211-4CA3-9D23-0143FCF3926F}" type="datetime1">
               <a:rPr lang="ru-RU" smtClean="0"/>
-              <a:t>13.04.2022</a:t>
+              <a:t>02.07.2022</a:t>
             </a:fld>
             <a:endParaRPr lang="en-US" dirty="0"/>
           </a:p>
@@ -1106,7 +1110,7 @@
             <a:pPr rtl="0"/>
             <a:fld id="{A82E9B35-0826-45CC-9C2C-707B22DFAA83}" type="datetime1">
               <a:rPr lang="ru-RU" smtClean="0"/>
-              <a:t>13.04.2022</a:t>
+              <a:t>02.07.2022</a:t>
             </a:fld>
             <a:endParaRPr lang="en-US" dirty="0"/>
           </a:p>
@@ -1352,7 +1356,7 @@
             <a:pPr rtl="0"/>
             <a:fld id="{74C0063D-EDF2-4190-A726-B9B651F864E7}" type="datetime1">
               <a:rPr lang="ru-RU" smtClean="0"/>
-              <a:t>13.04.2022</a:t>
+              <a:t>02.07.2022</a:t>
             </a:fld>
             <a:endParaRPr lang="en-US" dirty="0"/>
           </a:p>
@@ -1544,7 +1548,7 @@
             <a:pPr rtl="0"/>
             <a:fld id="{BE289488-0C23-4DC8-A9FA-240659547385}" type="datetime1">
               <a:rPr lang="ru-RU" smtClean="0"/>
-              <a:t>13.04.2022</a:t>
+              <a:t>02.07.2022</a:t>
             </a:fld>
             <a:endParaRPr lang="en-US" dirty="0"/>
           </a:p>
@@ -1922,7 +1926,7 @@
             <a:pPr rtl="0"/>
             <a:fld id="{33EFA117-2261-4A1D-8BE7-0B7E6A1366C0}" type="datetime1">
               <a:rPr lang="ru-RU" smtClean="0"/>
-              <a:t>13.04.2022</a:t>
+              <a:t>02.07.2022</a:t>
             </a:fld>
             <a:endParaRPr lang="en-US" dirty="0"/>
           </a:p>
@@ -2181,7 +2185,7 @@
             <a:pPr rtl="0"/>
             <a:fld id="{659279E9-B6DA-4AB3-A7CE-B748E56BEA69}" type="datetime1">
               <a:rPr lang="ru-RU" smtClean="0"/>
-              <a:t>13.04.2022</a:t>
+              <a:t>02.07.2022</a:t>
             </a:fld>
             <a:endParaRPr lang="en-US" dirty="0"/>
           </a:p>
@@ -2582,7 +2586,7 @@
             <a:pPr rtl="0"/>
             <a:fld id="{17CF7452-61A3-4CDC-ACAB-74E5B4A7EF57}" type="datetime1">
               <a:rPr lang="ru-RU" smtClean="0"/>
-              <a:t>13.04.2022</a:t>
+              <a:t>02.07.2022</a:t>
             </a:fld>
             <a:endParaRPr lang="en-US" dirty="0"/>
           </a:p>
@@ -2722,7 +2726,7 @@
             <a:pPr rtl="0"/>
             <a:fld id="{E4D00952-BE77-47A2-BE29-2226E2D6BB12}" type="datetime1">
               <a:rPr lang="ru-RU" smtClean="0"/>
-              <a:t>13.04.2022</a:t>
+              <a:t>02.07.2022</a:t>
             </a:fld>
             <a:endParaRPr lang="en-US" dirty="0"/>
           </a:p>
@@ -2882,7 +2886,7 @@
             <a:pPr rtl="0"/>
             <a:fld id="{14D5EF43-AECB-4459-AE90-3AFB54138C76}" type="datetime1">
               <a:rPr lang="ru-RU" smtClean="0"/>
-              <a:t>13.04.2022</a:t>
+              <a:t>02.07.2022</a:t>
             </a:fld>
             <a:endParaRPr lang="en-US" dirty="0"/>
           </a:p>
@@ -3215,7 +3219,7 @@
             <a:pPr rtl="0"/>
             <a:fld id="{FD0FAC8F-653F-479B-B209-9F30C9091843}" type="datetime1">
               <a:rPr lang="ru-RU" smtClean="0"/>
-              <a:t>13.04.2022</a:t>
+              <a:t>02.07.2022</a:t>
             </a:fld>
             <a:endParaRPr lang="en-US" dirty="0"/>
           </a:p>
@@ -3570,7 +3574,7 @@
             <a:pPr rtl="0"/>
             <a:fld id="{36FD9FC9-5FD1-4E3B-B719-212F55599717}" type="datetime1">
               <a:rPr lang="ru-RU" smtClean="0"/>
-              <a:t>13.04.2022</a:t>
+              <a:t>02.07.2022</a:t>
             </a:fld>
             <a:endParaRPr lang="en-US" dirty="0"/>
           </a:p>
@@ -3835,7 +3839,7 @@
           <a:p>
             <a:fld id="{428A7F57-8526-4A03-89D8-FFB0245E6649}" type="datetime1">
               <a:rPr lang="ru-RU" smtClean="0"/>
-              <a:t>13.04.2022</a:t>
+              <a:t>02.07.2022</a:t>
             </a:fld>
             <a:endParaRPr lang="en-US" dirty="0"/>
           </a:p>
@@ -4379,7 +4383,7 @@
                 <a16:creationId xmlns:a16="http://schemas.microsoft.com/office/drawing/2014/main" id="{A9286AD2-18A9-4868-A4E3-7A2097A20810}"/>
               </a:ext>
               <a:ext uri="{C183D7F6-B498-43B3-948B-1728B52AA6E4}">
-                <adec:decorative xmlns:adec="http://schemas.microsoft.com/office/drawing/2017/decorative" val="1"/>
+                <adec:decorative xmlns:adec="http://schemas.microsoft.com/office/drawing/2017/decorative" xmlns="" val="1"/>
               </a:ext>
             </a:extLst>
           </p:cNvPr>
@@ -4561,7 +4565,7 @@
                 <a16:creationId xmlns:a16="http://schemas.microsoft.com/office/drawing/2014/main" id="{E7A7CD63-7EC3-44F3-95D0-595C4019FF24}"/>
               </a:ext>
               <a:ext uri="{C183D7F6-B498-43B3-948B-1728B52AA6E4}">
-                <adec:decorative xmlns:adec="http://schemas.microsoft.com/office/drawing/2017/decorative" val="1"/>
+                <adec:decorative xmlns:adec="http://schemas.microsoft.com/office/drawing/2017/decorative" xmlns="" val="1"/>
               </a:ext>
             </a:extLst>
           </p:cNvPr>
@@ -4862,22 +4866,20 @@
                 <a:ea typeface="MS PGothic" pitchFamily="49"/>
                 <a:cs typeface="Arial" pitchFamily="34"/>
               </a:rPr>
-              <a:t>индустрии широко используется два понятия, которые напрямую связаны с тестированием программных продуктов:</a:t>
-            </a:r>
-          </a:p>
-          <a:p>
-            <a:pPr lvl="0" algn="l">
-              <a:spcBef>
-                <a:spcPts val="561"/>
-              </a:spcBef>
-              <a:spcAft>
-                <a:spcPts val="601"/>
-              </a:spcAft>
-              <a:tabLst>
-                <a:tab pos="0" algn="l"/>
-              </a:tabLst>
-            </a:pPr>
-            <a:endParaRPr lang="ru-RU" sz="2000" dirty="0">
+              <a:t>индустрии широко используется два понятия, которые напрямую связаны с тестированием программных продуктов</a:t>
+            </a:r>
+            <a:r>
+              <a:rPr lang="ru-RU" sz="2000" dirty="0" smtClean="0">
+                <a:solidFill>
+                  <a:srgbClr val="000000"/>
+                </a:solidFill>
+                <a:latin typeface="Myriad Pro" pitchFamily="18"/>
+                <a:ea typeface="MS PGothic" pitchFamily="49"/>
+                <a:cs typeface="Arial" pitchFamily="34"/>
+              </a:rPr>
+              <a:t>:</a:t>
+            </a:r>
+            <a:endParaRPr lang="en-US" sz="2000" b="1" u="sng" dirty="0" smtClean="0">
               <a:solidFill>
                 <a:srgbClr val="000000"/>
               </a:solidFill>
@@ -4902,7 +4904,7 @@
               </a:tabLst>
             </a:pPr>
             <a:r>
-              <a:rPr lang="ru-RU" sz="2000" b="1" u="sng" dirty="0">
+              <a:rPr lang="ru-RU" sz="2000" b="1" u="sng" dirty="0" smtClean="0">
                 <a:solidFill>
                   <a:srgbClr val="000000"/>
                 </a:solidFill>
@@ -4910,10 +4912,10 @@
                 <a:ea typeface="MS PGothic" pitchFamily="49"/>
                 <a:cs typeface="Arial" pitchFamily="34"/>
               </a:rPr>
-              <a:t>обеспечение качества </a:t>
-            </a:r>
-            <a:r>
-              <a:rPr lang="en-US" sz="2000" dirty="0">
+              <a:t>тестирование</a:t>
+            </a:r>
+            <a:r>
+              <a:rPr lang="en-US" sz="2000" b="1" u="sng" dirty="0" smtClean="0">
                 <a:solidFill>
                   <a:srgbClr val="000000"/>
                 </a:solidFill>
@@ -4921,16 +4923,41 @@
                 <a:ea typeface="MS PGothic" pitchFamily="49"/>
                 <a:cs typeface="Arial" pitchFamily="34"/>
               </a:rPr>
-              <a:t>(QA)</a:t>
-            </a:r>
-            <a:endParaRPr lang="ru-RU" sz="2000" dirty="0">
-              <a:solidFill>
-                <a:srgbClr val="000000"/>
-              </a:solidFill>
-              <a:latin typeface="Myriad Pro" pitchFamily="18"/>
-              <a:ea typeface="MS PGothic" pitchFamily="49"/>
-              <a:cs typeface="Arial" pitchFamily="34"/>
-            </a:endParaRPr>
+              <a:t> </a:t>
+            </a:r>
+            <a:r>
+              <a:rPr lang="ru-RU" sz="2000" dirty="0" smtClean="0">
+                <a:solidFill>
+                  <a:srgbClr val="000000"/>
+                </a:solidFill>
+                <a:latin typeface="Myriad Pro" pitchFamily="18"/>
+                <a:ea typeface="MS PGothic" pitchFamily="49"/>
+                <a:cs typeface="Arial" pitchFamily="34"/>
+              </a:rPr>
+              <a:t>(</a:t>
+            </a:r>
+            <a:r>
+              <a:rPr lang="en-US" sz="2000" dirty="0" smtClean="0">
+                <a:solidFill>
+                  <a:srgbClr val="000000"/>
+                </a:solidFill>
+                <a:latin typeface="Myriad Pro" pitchFamily="18"/>
+                <a:ea typeface="MS PGothic" pitchFamily="49"/>
+                <a:cs typeface="Arial" pitchFamily="34"/>
+              </a:rPr>
+              <a:t>testing</a:t>
+            </a:r>
+            <a:r>
+              <a:rPr lang="ru-RU" sz="2000" dirty="0" smtClean="0">
+                <a:solidFill>
+                  <a:srgbClr val="000000"/>
+                </a:solidFill>
+                <a:latin typeface="Myriad Pro" pitchFamily="18"/>
+                <a:ea typeface="MS PGothic" pitchFamily="49"/>
+                <a:cs typeface="Arial" pitchFamily="34"/>
+              </a:rPr>
+              <a:t>)</a:t>
+            </a:r>
           </a:p>
           <a:p>
             <a:pPr lvl="0" algn="l">
@@ -4948,6 +4975,63 @@
               </a:tabLst>
             </a:pPr>
             <a:r>
+              <a:rPr lang="ru-RU" sz="2000" b="1" u="sng" dirty="0" smtClean="0">
+                <a:solidFill>
+                  <a:srgbClr val="000000"/>
+                </a:solidFill>
+                <a:latin typeface="Myriad Pro" pitchFamily="18"/>
+                <a:ea typeface="MS PGothic" pitchFamily="49"/>
+                <a:cs typeface="Arial" pitchFamily="34"/>
+              </a:rPr>
+              <a:t>обеспечение </a:t>
+            </a:r>
+            <a:r>
+              <a:rPr lang="ru-RU" sz="2000" b="1" u="sng" dirty="0">
+                <a:solidFill>
+                  <a:srgbClr val="000000"/>
+                </a:solidFill>
+                <a:latin typeface="Myriad Pro" pitchFamily="18"/>
+                <a:ea typeface="MS PGothic" pitchFamily="49"/>
+                <a:cs typeface="Arial" pitchFamily="34"/>
+              </a:rPr>
+              <a:t>качества </a:t>
+            </a:r>
+            <a:r>
+              <a:rPr lang="en-US" sz="2000" dirty="0">
+                <a:solidFill>
+                  <a:srgbClr val="000000"/>
+                </a:solidFill>
+                <a:latin typeface="Myriad Pro" pitchFamily="18"/>
+                <a:ea typeface="MS PGothic" pitchFamily="49"/>
+                <a:cs typeface="Arial" pitchFamily="34"/>
+              </a:rPr>
+              <a:t>(QA)</a:t>
+            </a:r>
+            <a:endParaRPr lang="ru-RU" sz="2000" dirty="0">
+              <a:solidFill>
+                <a:srgbClr val="000000"/>
+              </a:solidFill>
+              <a:latin typeface="Myriad Pro" pitchFamily="18"/>
+              <a:ea typeface="MS PGothic" pitchFamily="49"/>
+              <a:cs typeface="Arial" pitchFamily="34"/>
+            </a:endParaRPr>
+          </a:p>
+          <a:p>
+            <a:pPr lvl="0" algn="l">
+              <a:spcBef>
+                <a:spcPts val="561"/>
+              </a:spcBef>
+              <a:spcAft>
+                <a:spcPts val="601"/>
+              </a:spcAft>
+              <a:buSzPct val="45000"/>
+              <a:buFont typeface="StarSymbol"/>
+              <a:buChar char="●"/>
+              <a:tabLst>
+                <a:tab pos="0" algn="l"/>
+              </a:tabLst>
+            </a:pPr>
+            <a:r>
               <a:rPr lang="ru-RU" sz="2000" b="1" u="sng" dirty="0">
                 <a:solidFill>
                   <a:srgbClr val="000000"/>
@@ -5010,7 +5094,7 @@
             <a:pPr rtl="0"/>
             <a:fld id="{BE289488-0C23-4DC8-A9FA-240659547385}" type="datetime1">
               <a:rPr lang="ru-RU" smtClean="0"/>
-              <a:t>13.04.2022</a:t>
+              <a:t>02.07.2022</a:t>
             </a:fld>
             <a:endParaRPr lang="en-US" dirty="0"/>
           </a:p>
@@ -5099,7 +5183,7 @@
             <a:pPr rtl="0"/>
             <a:fld id="{BE289488-0C23-4DC8-A9FA-240659547385}" type="datetime1">
               <a:rPr lang="ru-RU" smtClean="0"/>
-              <a:t>13.04.2022</a:t>
+              <a:t>02.07.2022</a:t>
             </a:fld>
             <a:endParaRPr lang="en-US" dirty="0"/>
           </a:p>
@@ -5607,7 +5691,7 @@
             <a:pPr rtl="0"/>
             <a:fld id="{BE289488-0C23-4DC8-A9FA-240659547385}" type="datetime1">
               <a:rPr lang="ru-RU" smtClean="0"/>
-              <a:t>13.04.2022</a:t>
+              <a:t>02.07.2022</a:t>
             </a:fld>
             <a:endParaRPr lang="en-US" dirty="0"/>
           </a:p>
@@ -5645,13 +5729,7 @@
       </p:grpSpPr>
       <p:sp>
         <p:nvSpPr>
-          <p:cNvPr id="2" name="Заголовок 1">
-            <a:extLst>
-              <a:ext uri="{FF2B5EF4-FFF2-40B4-BE49-F238E27FC236}">
-                <a16:creationId xmlns:a16="http://schemas.microsoft.com/office/drawing/2014/main" id="{ABE27113-E59C-4514-979C-3763E36E48C6}"/>
-              </a:ext>
-            </a:extLst>
-          </p:cNvPr>
+          <p:cNvPr id="2" name="Заголовок 1"/>
           <p:cNvSpPr>
             <a:spLocks noGrp="1"/>
           </p:cNvSpPr>
@@ -5665,22 +5743,16 @@
           <a:lstStyle/>
           <a:p>
             <a:r>
-              <a:rPr lang="ru-RU" dirty="0"/>
-              <a:t>7 принципов тестирования (1/7)</a:t>
-            </a:r>
-            <a:endParaRPr lang="ru-BY" dirty="0"/>
-          </a:p>
-        </p:txBody>
-      </p:sp>
-      <p:sp>
-        <p:nvSpPr>
-          <p:cNvPr id="3" name="Объект 2">
-            <a:extLst>
-              <a:ext uri="{FF2B5EF4-FFF2-40B4-BE49-F238E27FC236}">
-                <a16:creationId xmlns:a16="http://schemas.microsoft.com/office/drawing/2014/main" id="{4FD7434C-4ED8-4576-AD3C-F5E38D93C56F}"/>
-              </a:ext>
-            </a:extLst>
-          </p:cNvPr>
+              <a:rPr lang="ru-RU" dirty="0" smtClean="0"/>
+              <a:t>Тестирование</a:t>
+            </a:r>
+            <a:endParaRPr lang="ru-RU" dirty="0"/>
+          </a:p>
+        </p:txBody>
+      </p:sp>
+      <p:sp>
+        <p:nvSpPr>
+          <p:cNvPr id="3" name="Объект 2"/>
           <p:cNvSpPr>
             <a:spLocks noGrp="1"/>
           </p:cNvSpPr>
@@ -5693,101 +5765,49 @@
           <a:bodyPr/>
           <a:lstStyle/>
           <a:p>
-            <a:pPr lvl="0" algn="l">
-              <a:spcBef>
-                <a:spcPts val="561"/>
-              </a:spcBef>
-              <a:spcAft>
-                <a:spcPts val="601"/>
-              </a:spcAft>
-              <a:tabLst>
-                <a:tab pos="0" algn="l"/>
-              </a:tabLst>
-            </a:pPr>
-            <a:r>
-              <a:rPr lang="ru-RU" sz="2000" dirty="0">
-                <a:solidFill>
-                  <a:srgbClr val="000000"/>
-                </a:solidFill>
-                <a:latin typeface="Myriad Pro" pitchFamily="18"/>
-                <a:ea typeface="MS PGothic" pitchFamily="49"/>
-                <a:cs typeface="Arial" pitchFamily="2"/>
-              </a:rPr>
-              <a:t>Принцип 1 – </a:t>
-            </a:r>
-            <a:r>
-              <a:rPr lang="ru-RU" sz="2000" dirty="0">
-                <a:solidFill>
-                  <a:srgbClr val="FF0000"/>
-                </a:solidFill>
-                <a:latin typeface="Myriad Pro" pitchFamily="18"/>
-                <a:ea typeface="MS PGothic" pitchFamily="49"/>
-                <a:cs typeface="Arial" pitchFamily="2"/>
-              </a:rPr>
-              <a:t>Тестирование демонстрирует наличие дефектов</a:t>
-            </a:r>
-          </a:p>
-          <a:p>
-            <a:pPr lvl="0" algn="l">
-              <a:spcBef>
-                <a:spcPts val="561"/>
-              </a:spcBef>
-              <a:spcAft>
-                <a:spcPts val="601"/>
-              </a:spcAft>
-              <a:tabLst>
-                <a:tab pos="0" algn="l"/>
-              </a:tabLst>
-            </a:pPr>
-            <a:endParaRPr lang="uk-UA" sz="2000" dirty="0">
-              <a:solidFill>
-                <a:srgbClr val="000000"/>
-              </a:solidFill>
-              <a:latin typeface="Myriad Pro" pitchFamily="18"/>
-              <a:ea typeface="MS PGothic" pitchFamily="49"/>
-              <a:cs typeface="Arial" pitchFamily="2"/>
-            </a:endParaRPr>
-          </a:p>
-          <a:p>
-            <a:pPr marL="0" lvl="0" indent="0" algn="just">
-              <a:spcBef>
-                <a:spcPts val="561"/>
-              </a:spcBef>
-              <a:spcAft>
-                <a:spcPts val="601"/>
-              </a:spcAft>
-              <a:buSzPct val="45000"/>
-              <a:buNone/>
-              <a:tabLst>
-                <a:tab pos="0" algn="l"/>
-              </a:tabLst>
-            </a:pPr>
-            <a:r>
-              <a:rPr lang="ru-RU" sz="2000" dirty="0">
-                <a:solidFill>
-                  <a:srgbClr val="000000"/>
-                </a:solidFill>
-                <a:latin typeface="Myriad Pro" pitchFamily="18"/>
-                <a:ea typeface="MS PGothic" pitchFamily="49"/>
-                <a:cs typeface="Arial" pitchFamily="2"/>
-              </a:rPr>
-              <a:t>Тестирование может показать, что дефекты присутствуют, но не может доказать, что их нет. Тестирование снижает вероятность наличия дефектов, находящихся в программном обеспечении, но, даже если дефекты не были обнаружены, это не доказывает его корректности.</a:t>
-            </a:r>
-          </a:p>
-          <a:p>
-            <a:endParaRPr lang="ru-BY" dirty="0"/>
-          </a:p>
-        </p:txBody>
-      </p:sp>
-      <p:sp>
-        <p:nvSpPr>
-          <p:cNvPr id="4" name="Дата 3">
-            <a:extLst>
-              <a:ext uri="{FF2B5EF4-FFF2-40B4-BE49-F238E27FC236}">
-                <a16:creationId xmlns:a16="http://schemas.microsoft.com/office/drawing/2014/main" id="{2D0D29CC-F816-4DD1-8EC9-1AB729D5A021}"/>
-              </a:ext>
-            </a:extLst>
-          </p:cNvPr>
+            <a:r>
+              <a:rPr lang="ru-RU" dirty="0"/>
+              <a:t>На начальном этапе становления Тестирования каждую новую версию продукта Разработчик отдаёт </a:t>
+            </a:r>
+            <a:r>
+              <a:rPr lang="ru-RU" dirty="0" err="1"/>
+              <a:t>Тестировщику</a:t>
+            </a:r>
+            <a:r>
+              <a:rPr lang="ru-RU" dirty="0"/>
+              <a:t> «просто посмотреть». Общими словами рассказывая об изменениях и реализациях пожеланий Заказчика. И в результате проведённого тестирования выясняется только мнение </a:t>
+            </a:r>
+            <a:r>
+              <a:rPr lang="ru-RU" dirty="0" err="1"/>
+              <a:t>Тестировщика</a:t>
+            </a:r>
+            <a:r>
+              <a:rPr lang="ru-RU" dirty="0"/>
+              <a:t> об общем результате — условно «</a:t>
+            </a:r>
+            <a:r>
+              <a:rPr lang="ru-RU" dirty="0" err="1"/>
+              <a:t>ок</a:t>
+            </a:r>
+            <a:r>
+              <a:rPr lang="ru-RU" dirty="0"/>
+              <a:t>» или «не </a:t>
+            </a:r>
+            <a:r>
+              <a:rPr lang="ru-RU" dirty="0" err="1"/>
+              <a:t>ок</a:t>
+            </a:r>
+            <a:r>
+              <a:rPr lang="ru-RU" dirty="0"/>
+              <a:t>» и о том, что нужно исправить в продукте. Не предъявляя никаких условий, не требуя никаких отчётов.</a:t>
+            </a:r>
+            <a:endParaRPr lang="ru-RU" dirty="0"/>
+          </a:p>
+        </p:txBody>
+      </p:sp>
+      <p:sp>
+        <p:nvSpPr>
+          <p:cNvPr id="4" name="Дата 3"/>
           <p:cNvSpPr>
             <a:spLocks noGrp="1"/>
           </p:cNvSpPr>
@@ -5803,7 +5823,7 @@
             <a:pPr rtl="0"/>
             <a:fld id="{BE289488-0C23-4DC8-A9FA-240659547385}" type="datetime1">
               <a:rPr lang="ru-RU" smtClean="0"/>
-              <a:t>13.04.2022</a:t>
+              <a:t>02.07.2022</a:t>
             </a:fld>
             <a:endParaRPr lang="en-US" dirty="0"/>
           </a:p>
@@ -5812,7 +5832,7 @@
     </p:spTree>
     <p:extLst>
       <p:ext uri="{BB962C8B-B14F-4D97-AF65-F5344CB8AC3E}">
-        <p14:creationId xmlns:p14="http://schemas.microsoft.com/office/powerpoint/2010/main" val="1377717501"/>
+        <p14:creationId xmlns:p14="http://schemas.microsoft.com/office/powerpoint/2010/main" val="640029260"/>
       </p:ext>
     </p:extLst>
   </p:cSld>
@@ -5841,13 +5861,7 @@
       </p:grpSpPr>
       <p:sp>
         <p:nvSpPr>
-          <p:cNvPr id="2" name="Заголовок 1">
-            <a:extLst>
-              <a:ext uri="{FF2B5EF4-FFF2-40B4-BE49-F238E27FC236}">
-                <a16:creationId xmlns:a16="http://schemas.microsoft.com/office/drawing/2014/main" id="{98925D84-A3B9-41AE-9000-3DDC001774A2}"/>
-              </a:ext>
-            </a:extLst>
-          </p:cNvPr>
+          <p:cNvPr id="2" name="Заголовок 1"/>
           <p:cNvSpPr>
             <a:spLocks noGrp="1"/>
           </p:cNvSpPr>
@@ -5861,127 +5875,218 @@
           <a:lstStyle/>
           <a:p>
             <a:r>
+              <a:rPr lang="ru-RU" dirty="0" smtClean="0"/>
+              <a:t>Когда начинается </a:t>
+            </a:r>
+            <a:r>
+              <a:rPr lang="en-US" dirty="0" smtClean="0"/>
+              <a:t>Quality Control?</a:t>
+            </a:r>
+            <a:endParaRPr lang="ru-RU" dirty="0"/>
+          </a:p>
+        </p:txBody>
+      </p:sp>
+      <p:sp>
+        <p:nvSpPr>
+          <p:cNvPr id="3" name="Объект 2"/>
+          <p:cNvSpPr>
+            <a:spLocks noGrp="1"/>
+          </p:cNvSpPr>
+          <p:nvPr>
+            <p:ph idx="1"/>
+          </p:nvPr>
+        </p:nvSpPr>
+        <p:spPr/>
+        <p:txBody>
+          <a:bodyPr>
+            <a:normAutofit fontScale="70000" lnSpcReduction="20000"/>
+          </a:bodyPr>
+          <a:lstStyle/>
+          <a:p>
+            <a:r>
               <a:rPr lang="ru-RU" dirty="0"/>
-              <a:t>7 принципов тестирования (2/7)</a:t>
-            </a:r>
-            <a:endParaRPr lang="ru-BY" dirty="0"/>
-          </a:p>
-        </p:txBody>
-      </p:sp>
-      <p:sp>
-        <p:nvSpPr>
-          <p:cNvPr id="3" name="Объект 2">
-            <a:extLst>
-              <a:ext uri="{FF2B5EF4-FFF2-40B4-BE49-F238E27FC236}">
-                <a16:creationId xmlns:a16="http://schemas.microsoft.com/office/drawing/2014/main" id="{4F4DBD06-CC96-4FC2-86A0-495B2EE87177}"/>
-              </a:ext>
-            </a:extLst>
-          </p:cNvPr>
-          <p:cNvSpPr>
-            <a:spLocks noGrp="1"/>
-          </p:cNvSpPr>
-          <p:nvPr>
-            <p:ph idx="1"/>
-          </p:nvPr>
-        </p:nvSpPr>
-        <p:spPr/>
-        <p:txBody>
-          <a:bodyPr/>
-          <a:lstStyle/>
-          <a:p>
-            <a:pPr lvl="0" algn="l">
-              <a:spcBef>
-                <a:spcPts val="519"/>
-              </a:spcBef>
-              <a:spcAft>
-                <a:spcPts val="601"/>
-              </a:spcAft>
-              <a:tabLst>
-                <a:tab pos="0" algn="l"/>
-              </a:tabLst>
-            </a:pPr>
-            <a:r>
-              <a:rPr lang="ru-RU" sz="2000" dirty="0">
-                <a:solidFill>
-                  <a:srgbClr val="000000"/>
-                </a:solidFill>
-                <a:latin typeface="Myriad Pro" pitchFamily="18"/>
-                <a:ea typeface="MS PGothic" pitchFamily="49"/>
-                <a:cs typeface="Arial" pitchFamily="2"/>
-              </a:rPr>
-              <a:t>Принцип 2 – </a:t>
-            </a:r>
-            <a:r>
-              <a:rPr lang="ru-RU" sz="2000" dirty="0">
+              <a:t>Для контроля чего-либо надо научиться измерять это «что-то», а для возможности измерения необходимо:</a:t>
+            </a:r>
+          </a:p>
+          <a:p>
+            <a:r>
+              <a:rPr lang="ru-RU" dirty="0"/>
+              <a:t/>
+            </a:r>
+            <a:br>
+              <a:rPr lang="ru-RU" dirty="0"/>
+            </a:br>
+            <a:r>
+              <a:rPr lang="ru-RU" dirty="0"/>
+              <a:t>по </a:t>
+            </a:r>
+            <a:r>
+              <a:rPr lang="ru-RU" b="1" dirty="0"/>
+              <a:t>чётким критериям</a:t>
+            </a:r>
+            <a:r>
+              <a:rPr lang="ru-RU" dirty="0"/>
+              <a:t> (требованиям) разделить, что является </a:t>
+            </a:r>
+            <a:r>
+              <a:rPr lang="ru-RU" i="1" dirty="0"/>
+              <a:t>правильным поведением</a:t>
+            </a:r>
+            <a:r>
+              <a:rPr lang="ru-RU" dirty="0"/>
+              <a:t>, а что является дефектом, а не просто понимать, что хотел Заказчик;</a:t>
+            </a:r>
+          </a:p>
+          <a:p>
+            <a:r>
+              <a:rPr lang="ru-RU" b="1" dirty="0"/>
+              <a:t>зафиксировать версию</a:t>
+            </a:r>
+            <a:r>
+              <a:rPr lang="ru-RU" dirty="0"/>
+              <a:t> и окружение продукта, который был отдан в тестирование для того чтобы получить представление, что именно </a:t>
+            </a:r>
+            <a:r>
+              <a:rPr lang="ru-RU" i="1" dirty="0"/>
+              <a:t>этот экземпляр</a:t>
+            </a:r>
+            <a:r>
+              <a:rPr lang="ru-RU" dirty="0"/>
+              <a:t> продукта, этот кандидат на поставку Заказчику прошёл Тестирование;</a:t>
+            </a:r>
+          </a:p>
+          <a:p>
+            <a:r>
+              <a:rPr lang="ru-RU" dirty="0"/>
+              <a:t>создать </a:t>
+            </a:r>
+            <a:r>
+              <a:rPr lang="ru-RU" b="1" dirty="0"/>
+              <a:t>шаблоны</a:t>
+            </a:r>
+            <a:r>
+              <a:rPr lang="ru-RU" dirty="0"/>
+              <a:t> тестовой документации (тест-кейсов, баг-репортов и т. д.), чтобы вся команда работала </a:t>
+            </a:r>
+            <a:r>
+              <a:rPr lang="ru-RU" i="1" dirty="0"/>
+              <a:t>привычно и быстро</a:t>
+            </a:r>
+            <a:r>
+              <a:rPr lang="ru-RU" dirty="0"/>
+              <a:t> не разбираясь каждый раз в формулировках;</a:t>
+            </a:r>
+          </a:p>
+          <a:p>
+            <a:r>
+              <a:rPr lang="ru-RU" dirty="0"/>
+              <a:t>зафиксировать </a:t>
+            </a:r>
+            <a:r>
+              <a:rPr lang="ru-RU" b="1" dirty="0"/>
+              <a:t>шаги воспроизведения</a:t>
+            </a:r>
+            <a:r>
+              <a:rPr lang="ru-RU" dirty="0"/>
+              <a:t>, чтобы точно </a:t>
+            </a:r>
+            <a:r>
+              <a:rPr lang="ru-RU" i="1" dirty="0"/>
+              <a:t>повторить ошибку</a:t>
+            </a:r>
+            <a:r>
+              <a:rPr lang="ru-RU" dirty="0"/>
+              <a:t>;</a:t>
+            </a:r>
+          </a:p>
+          <a:p>
+            <a:r>
+              <a:rPr lang="ru-RU" b="1" dirty="0"/>
+              <a:t>зафиксировать</a:t>
+            </a:r>
+            <a:r>
+              <a:rPr lang="ru-RU" dirty="0"/>
+              <a:t> все </a:t>
+            </a:r>
+            <a:r>
+              <a:rPr lang="ru-RU" b="1" dirty="0"/>
+              <a:t>проверки</a:t>
+            </a:r>
+            <a:r>
+              <a:rPr lang="ru-RU" dirty="0"/>
+              <a:t> и понять, что с их прохождением действительно </a:t>
+            </a:r>
+            <a:r>
+              <a:rPr lang="ru-RU" i="1" dirty="0"/>
+              <a:t>проверяются все</a:t>
+            </a:r>
+            <a:r>
+              <a:rPr lang="ru-RU" dirty="0"/>
+              <a:t> значимые места программы, насколько «всё </a:t>
+            </a:r>
+            <a:r>
+              <a:rPr lang="ru-RU" dirty="0" err="1"/>
+              <a:t>ок</a:t>
+            </a:r>
+            <a:r>
+              <a:rPr lang="ru-RU" dirty="0"/>
+              <a:t>» действительно «всё»;</a:t>
+            </a:r>
+          </a:p>
+          <a:p>
+            <a:r>
+              <a:rPr lang="ru-RU" b="1" dirty="0"/>
+              <a:t>сравнить критерии</a:t>
+            </a:r>
+            <a:r>
+              <a:rPr lang="ru-RU" dirty="0"/>
+              <a:t> (требования) </a:t>
+            </a:r>
+            <a:r>
+              <a:rPr lang="ru-RU" b="1" dirty="0"/>
+              <a:t>и проверки</a:t>
+            </a:r>
+            <a:r>
+              <a:rPr lang="ru-RU" dirty="0"/>
+              <a:t>, чтобы понять, </a:t>
+            </a:r>
+            <a:r>
+              <a:rPr lang="ru-RU" i="1" dirty="0"/>
+              <a:t>все ли критерии</a:t>
+            </a:r>
+            <a:r>
+              <a:rPr lang="ru-RU" dirty="0"/>
+              <a:t> Заказчика к продукту </a:t>
+            </a:r>
+            <a:r>
+              <a:rPr lang="ru-RU" i="1" dirty="0"/>
+              <a:t>удовлетворены</a:t>
+            </a:r>
+            <a:r>
+              <a:rPr lang="ru-RU" dirty="0"/>
+              <a:t>.</a:t>
+            </a:r>
+          </a:p>
+          <a:p>
+            <a:r>
+              <a:rPr lang="ru-RU" b="1" dirty="0" smtClean="0">
                 <a:solidFill>
                   <a:srgbClr val="FF0000"/>
                 </a:solidFill>
-                <a:latin typeface="Myriad Pro" pitchFamily="18"/>
-                <a:ea typeface="MS PGothic" pitchFamily="49"/>
-                <a:cs typeface="Arial" pitchFamily="2"/>
-              </a:rPr>
-              <a:t>Исчерпывающее тестирование недостижимо</a:t>
-            </a:r>
-          </a:p>
-          <a:p>
-            <a:pPr lvl="0" algn="l">
-              <a:spcBef>
-                <a:spcPts val="519"/>
-              </a:spcBef>
-              <a:spcAft>
-                <a:spcPts val="601"/>
-              </a:spcAft>
-              <a:tabLst>
-                <a:tab pos="0" algn="l"/>
-              </a:tabLst>
-            </a:pPr>
-            <a:endParaRPr lang="ru-RU" sz="2000" dirty="0">
+              </a:rPr>
+              <a:t>Появляется тестовая документация и отчетность</a:t>
+            </a:r>
+            <a:endParaRPr lang="ru-RU" b="1" dirty="0">
               <a:solidFill>
                 <a:srgbClr val="FF0000"/>
               </a:solidFill>
-              <a:latin typeface="Myriad Pro" pitchFamily="18"/>
-              <a:ea typeface="MS PGothic" pitchFamily="49"/>
-              <a:cs typeface="Arial" pitchFamily="2"/>
             </a:endParaRPr>
           </a:p>
-          <a:p>
-            <a:pPr lvl="0" algn="just">
-              <a:spcBef>
-                <a:spcPts val="519"/>
-              </a:spcBef>
-              <a:spcAft>
-                <a:spcPts val="601"/>
-              </a:spcAft>
-              <a:tabLst>
-                <a:tab pos="0" algn="l"/>
-              </a:tabLst>
-            </a:pPr>
-            <a:r>
-              <a:rPr lang="ru-RU" sz="2000" dirty="0">
-                <a:solidFill>
-                  <a:srgbClr val="000000"/>
-                </a:solidFill>
-                <a:latin typeface="Myriad Pro" pitchFamily="18"/>
-                <a:ea typeface="MS PGothic" pitchFamily="49"/>
-                <a:cs typeface="Arial" pitchFamily="2"/>
-              </a:rPr>
-              <a:t>Полное тестирование с использованием всех комбинаций вводов и предусловий физически невыполнимо, за исключением тривиальных случаев. Вместо исчерпывающего тестирования должны использоваться анализ рисков и расстановка приоритетов, чтобы более точно сфокусировать усилия по тестированию.</a:t>
-            </a:r>
-          </a:p>
-          <a:p>
-            <a:endParaRPr lang="ru-BY" dirty="0"/>
-          </a:p>
-        </p:txBody>
-      </p:sp>
-      <p:sp>
-        <p:nvSpPr>
-          <p:cNvPr id="4" name="Дата 3">
-            <a:extLst>
-              <a:ext uri="{FF2B5EF4-FFF2-40B4-BE49-F238E27FC236}">
-                <a16:creationId xmlns:a16="http://schemas.microsoft.com/office/drawing/2014/main" id="{EA5576FE-8A00-4BF8-A28A-32D981C36D15}"/>
-              </a:ext>
-            </a:extLst>
-          </p:cNvPr>
+        </p:txBody>
+      </p:sp>
+      <p:sp>
+        <p:nvSpPr>
+          <p:cNvPr id="4" name="Дата 3"/>
           <p:cNvSpPr>
             <a:spLocks noGrp="1"/>
           </p:cNvSpPr>
@@ -5997,7 +6102,7 @@
             <a:pPr rtl="0"/>
             <a:fld id="{BE289488-0C23-4DC8-A9FA-240659547385}" type="datetime1">
               <a:rPr lang="ru-RU" smtClean="0"/>
-              <a:t>13.04.2022</a:t>
+              <a:t>02.07.2022</a:t>
             </a:fld>
             <a:endParaRPr lang="en-US" dirty="0"/>
           </a:p>
@@ -6006,7 +6111,7 @@
     </p:spTree>
     <p:extLst>
       <p:ext uri="{BB962C8B-B14F-4D97-AF65-F5344CB8AC3E}">
-        <p14:creationId xmlns:p14="http://schemas.microsoft.com/office/powerpoint/2010/main" val="442533698"/>
+        <p14:creationId xmlns:p14="http://schemas.microsoft.com/office/powerpoint/2010/main" val="938879941"/>
       </p:ext>
     </p:extLst>
   </p:cSld>
@@ -6035,13 +6140,7 @@
       </p:grpSpPr>
       <p:sp>
         <p:nvSpPr>
-          <p:cNvPr id="2" name="Заголовок 1">
-            <a:extLst>
-              <a:ext uri="{FF2B5EF4-FFF2-40B4-BE49-F238E27FC236}">
-                <a16:creationId xmlns:a16="http://schemas.microsoft.com/office/drawing/2014/main" id="{CBA6A982-37AA-40A1-8676-6329AD815CBF}"/>
-              </a:ext>
-            </a:extLst>
-          </p:cNvPr>
+          <p:cNvPr id="2" name="Заголовок 1"/>
           <p:cNvSpPr>
             <a:spLocks noGrp="1"/>
           </p:cNvSpPr>
@@ -6055,168 +6154,156 @@
           <a:lstStyle/>
           <a:p>
             <a:r>
+              <a:rPr lang="ru-RU" dirty="0" smtClean="0"/>
+              <a:t>Обеспечение Качества</a:t>
+            </a:r>
+            <a:endParaRPr lang="ru-RU" dirty="0"/>
+          </a:p>
+        </p:txBody>
+      </p:sp>
+      <p:sp>
+        <p:nvSpPr>
+          <p:cNvPr id="3" name="Объект 2"/>
+          <p:cNvSpPr>
+            <a:spLocks noGrp="1"/>
+          </p:cNvSpPr>
+          <p:nvPr>
+            <p:ph idx="1"/>
+          </p:nvPr>
+        </p:nvSpPr>
+        <p:spPr/>
+        <p:txBody>
+          <a:bodyPr>
+            <a:normAutofit fontScale="62500" lnSpcReduction="20000"/>
+          </a:bodyPr>
+          <a:lstStyle/>
+          <a:p>
+            <a:r>
               <a:rPr lang="ru-RU" dirty="0"/>
-              <a:t>7 принципов тестирования (3/7)</a:t>
-            </a:r>
-            <a:endParaRPr lang="ru-BY" dirty="0"/>
-          </a:p>
-        </p:txBody>
-      </p:sp>
-      <p:sp>
-        <p:nvSpPr>
-          <p:cNvPr id="3" name="Объект 2">
-            <a:extLst>
-              <a:ext uri="{FF2B5EF4-FFF2-40B4-BE49-F238E27FC236}">
-                <a16:creationId xmlns:a16="http://schemas.microsoft.com/office/drawing/2014/main" id="{B4D12D25-BAD8-4FB0-830B-FFBC2C27883B}"/>
-              </a:ext>
-            </a:extLst>
-          </p:cNvPr>
-          <p:cNvSpPr>
-            <a:spLocks noGrp="1"/>
-          </p:cNvSpPr>
-          <p:nvPr>
-            <p:ph idx="1"/>
-          </p:nvPr>
-        </p:nvSpPr>
-        <p:spPr/>
-        <p:txBody>
-          <a:bodyPr/>
-          <a:lstStyle/>
-          <a:p>
-            <a:pPr marL="0" marR="0" lvl="0" indent="0" rtl="0" hangingPunct="0">
-              <a:lnSpc>
-                <a:spcPct val="100000"/>
-              </a:lnSpc>
-              <a:spcBef>
-                <a:spcPts val="0"/>
-              </a:spcBef>
-              <a:spcAft>
-                <a:spcPts val="0"/>
-              </a:spcAft>
+              <a:t>Всё, что может привести к наиболее раннему обнаружению </a:t>
+            </a:r>
+            <a:r>
+              <a:rPr lang="ru-RU" b="1" dirty="0"/>
+              <a:t>дефектов</a:t>
+            </a:r>
+            <a:r>
+              <a:rPr lang="ru-RU" dirty="0"/>
+              <a:t>, что может снизить количество </a:t>
+            </a:r>
+            <a:r>
+              <a:rPr lang="ru-RU" b="1" dirty="0"/>
+              <a:t>ошибок</a:t>
+            </a:r>
+            <a:r>
+              <a:rPr lang="ru-RU" dirty="0"/>
+              <a:t>, всё это влияет на то когда и при каких обстоятельствах возможно обнаружить допущенные в коде ошибки, любые практики и активности всей команды на любом этапе работы с продуктом:</a:t>
+            </a:r>
+          </a:p>
+          <a:p>
+            <a:pPr marL="0" indent="0">
               <a:buNone/>
-              <a:tabLst/>
             </a:pPr>
             <a:r>
-              <a:rPr lang="ru-RU" sz="2000" b="0" i="0" u="none" strike="noStrike" kern="1200" cap="none" spc="0" baseline="0" dirty="0">
-                <a:ln>
-                  <a:noFill/>
-                </a:ln>
-                <a:solidFill>
-                  <a:srgbClr val="000000"/>
-                </a:solidFill>
-                <a:highlight>
-                  <a:scrgbClr r="0" g="0" b="0">
-                    <a:alpha val="0"/>
-                  </a:scrgbClr>
-                </a:highlight>
-                <a:latin typeface="Myriad Pro" pitchFamily="18"/>
-                <a:ea typeface="MS PGothic" pitchFamily="49"/>
-                <a:cs typeface="Arial" pitchFamily="2"/>
-              </a:rPr>
-              <a:t>Принцип 3 – </a:t>
-            </a:r>
-            <a:r>
-              <a:rPr lang="ru-RU" sz="2000" b="0" i="0" u="none" strike="noStrike" kern="1200" cap="none" spc="0" baseline="0" dirty="0">
-                <a:ln>
-                  <a:noFill/>
-                </a:ln>
+              <a:rPr lang="ru-RU" dirty="0"/>
+              <a:t/>
+            </a:r>
+            <a:br>
+              <a:rPr lang="ru-RU" dirty="0"/>
+            </a:br>
+            <a:r>
+              <a:rPr lang="ru-RU" dirty="0"/>
+              <a:t>обсуждение постановок аналитиками с командой (и разработкой, и тестированием) приводит к </a:t>
+            </a:r>
+            <a:r>
+              <a:rPr lang="ru-RU" dirty="0" err="1"/>
+              <a:t>бОльшему</a:t>
+            </a:r>
+            <a:r>
+              <a:rPr lang="ru-RU" dirty="0"/>
+              <a:t> пониманию задачи и определённости что и как необходимо реализовать;</a:t>
+            </a:r>
+          </a:p>
+          <a:p>
+            <a:pPr>
+              <a:buFont typeface="Arial" panose="020B0604020202020204" pitchFamily="34" charset="0"/>
+              <a:buChar char="•"/>
+            </a:pPr>
+            <a:r>
+              <a:rPr lang="ru-RU" dirty="0"/>
+              <a:t>раннее написание тест-кейсов позволяет дать разработчику дополнительную информацию как его код будет тестироваться;</a:t>
+            </a:r>
+          </a:p>
+          <a:p>
+            <a:pPr>
+              <a:buFont typeface="Arial" panose="020B0604020202020204" pitchFamily="34" charset="0"/>
+              <a:buChar char="•"/>
+            </a:pPr>
+            <a:r>
+              <a:rPr lang="ru-RU" dirty="0"/>
+              <a:t>проведение </a:t>
+            </a:r>
+            <a:r>
+              <a:rPr lang="ru-RU" dirty="0" err="1"/>
+              <a:t>ревью</a:t>
+            </a:r>
+            <a:r>
+              <a:rPr lang="ru-RU" dirty="0"/>
+              <a:t> тест-кейсов даёт кругозор команде тестирования о том как работает продукт и раньше подмечать несоответствия с постановками;</a:t>
+            </a:r>
+          </a:p>
+          <a:p>
+            <a:pPr>
+              <a:buFont typeface="Arial" panose="020B0604020202020204" pitchFamily="34" charset="0"/>
+              <a:buChar char="•"/>
+            </a:pPr>
+            <a:r>
+              <a:rPr lang="ru-RU" dirty="0"/>
+              <a:t>проведение </a:t>
+            </a:r>
+            <a:r>
+              <a:rPr lang="ru-RU" dirty="0" err="1"/>
+              <a:t>ревью</a:t>
+            </a:r>
+            <a:r>
+              <a:rPr lang="ru-RU" dirty="0"/>
+              <a:t> кода приводит к лучшему пониманию того, что делают другие участники разработки и помогает подменить при внезапном отсутствии разработчика данного модуля;</a:t>
+            </a:r>
+          </a:p>
+          <a:p>
+            <a:pPr>
+              <a:buFont typeface="Arial" panose="020B0604020202020204" pitchFamily="34" charset="0"/>
+              <a:buChar char="•"/>
+            </a:pPr>
+            <a:r>
+              <a:rPr lang="ru-RU" dirty="0"/>
+              <a:t>практики парного программирования дают дополнительный контроль кода даже тогда, когда код ещё создаётся, когда его ещё нет в окончательном виде.</a:t>
+            </a:r>
+          </a:p>
+          <a:p>
+            <a:r>
+              <a:rPr lang="ru-RU" dirty="0"/>
+              <a:t/>
+            </a:r>
+            <a:br>
+              <a:rPr lang="ru-RU" dirty="0"/>
+            </a:br>
+            <a:r>
+              <a:rPr lang="ru-RU" b="1" dirty="0">
                 <a:solidFill>
                   <a:srgbClr val="FF0000"/>
                 </a:solidFill>
-                <a:highlight>
-                  <a:scrgbClr r="0" g="0" b="0">
-                    <a:alpha val="0"/>
-                  </a:scrgbClr>
-                </a:highlight>
-                <a:latin typeface="Myriad Pro" pitchFamily="18"/>
-                <a:ea typeface="MS PGothic" pitchFamily="49"/>
-                <a:cs typeface="Arial" pitchFamily="2"/>
-              </a:rPr>
-              <a:t>Раннее тестирование </a:t>
-            </a:r>
-            <a:br>
-              <a:rPr lang="uk-UA" sz="2000" b="0" i="0" u="none" strike="noStrike" kern="1200" cap="none" spc="0" baseline="0" dirty="0">
-                <a:ln>
-                  <a:noFill/>
-                </a:ln>
-                <a:solidFill>
-                  <a:srgbClr val="000000"/>
-                </a:solidFill>
-                <a:highlight>
-                  <a:scrgbClr r="0" g="0" b="0">
-                    <a:alpha val="0"/>
-                  </a:scrgbClr>
-                </a:highlight>
-                <a:latin typeface="Myriad Pro" pitchFamily="18"/>
-                <a:ea typeface="MS PGothic" pitchFamily="49"/>
-                <a:cs typeface="Arial" pitchFamily="2"/>
-              </a:rPr>
-            </a:br>
-            <a:endParaRPr lang="uk-UA" sz="2000" b="0" i="0" u="none" strike="noStrike" kern="1200" cap="none" spc="0" baseline="0" dirty="0">
-              <a:ln>
-                <a:noFill/>
-              </a:ln>
-              <a:solidFill>
-                <a:srgbClr val="000000"/>
-              </a:solidFill>
-              <a:highlight>
-                <a:scrgbClr r="0" g="0" b="0">
-                  <a:alpha val="0"/>
-                </a:scrgbClr>
-              </a:highlight>
-              <a:latin typeface="Myriad Pro" pitchFamily="18"/>
-              <a:ea typeface="MS PGothic" pitchFamily="49"/>
-              <a:cs typeface="Arial" pitchFamily="2"/>
-            </a:endParaRPr>
-          </a:p>
-          <a:p>
-            <a:pPr marL="0" marR="0" lvl="0" indent="0" algn="just" rtl="0" hangingPunct="0">
-              <a:lnSpc>
-                <a:spcPct val="100000"/>
-              </a:lnSpc>
-              <a:spcBef>
-                <a:spcPts val="0"/>
-              </a:spcBef>
-              <a:spcAft>
-                <a:spcPts val="0"/>
-              </a:spcAft>
-              <a:buNone/>
-              <a:tabLst/>
-            </a:pPr>
-            <a:r>
-              <a:rPr lang="ru-RU" sz="2000" b="0" i="0" u="none" strike="noStrike" kern="1200" cap="none" spc="0" baseline="0" dirty="0">
-                <a:ln>
-                  <a:noFill/>
-                </a:ln>
-                <a:solidFill>
-                  <a:srgbClr val="000000"/>
-                </a:solidFill>
-                <a:highlight>
-                  <a:scrgbClr r="0" g="0" b="0">
-                    <a:alpha val="0"/>
-                  </a:scrgbClr>
-                </a:highlight>
-                <a:latin typeface="Myriad Pro" pitchFamily="18"/>
-                <a:ea typeface="MS PGothic" pitchFamily="49"/>
-                <a:cs typeface="Arial" pitchFamily="2"/>
-              </a:rPr>
-              <a:t>Чтобы найти дефекты как можно раньше, активности по тестированию должны быть начаты как можно раньше в жизненном цикле разработки программного обеспечения или системы, и должны быть сфокусированы на определенных целях.</a:t>
-            </a:r>
-          </a:p>
-          <a:p>
-            <a:endParaRPr lang="ru-BY" dirty="0"/>
-          </a:p>
-        </p:txBody>
-      </p:sp>
-      <p:sp>
-        <p:nvSpPr>
-          <p:cNvPr id="4" name="Дата 3">
-            <a:extLst>
-              <a:ext uri="{FF2B5EF4-FFF2-40B4-BE49-F238E27FC236}">
-                <a16:creationId xmlns:a16="http://schemas.microsoft.com/office/drawing/2014/main" id="{1CFB17B2-AA28-4E03-BF16-0CB963B2502A}"/>
-              </a:ext>
-            </a:extLst>
-          </p:cNvPr>
+              </a:rPr>
+              <a:t>На качество влияет всё! Любые изменения в команде так или иначе отражаются на Качестве!</a:t>
+            </a:r>
+          </a:p>
+          <a:p>
+            <a:endParaRPr lang="ru-RU" dirty="0"/>
+          </a:p>
+        </p:txBody>
+      </p:sp>
+      <p:sp>
+        <p:nvSpPr>
+          <p:cNvPr id="4" name="Дата 3"/>
           <p:cNvSpPr>
             <a:spLocks noGrp="1"/>
           </p:cNvSpPr>
@@ -6232,7 +6319,7 @@
             <a:pPr rtl="0"/>
             <a:fld id="{BE289488-0C23-4DC8-A9FA-240659547385}" type="datetime1">
               <a:rPr lang="ru-RU" smtClean="0"/>
-              <a:t>13.04.2022</a:t>
+              <a:t>02.07.2022</a:t>
             </a:fld>
             <a:endParaRPr lang="en-US" dirty="0"/>
           </a:p>
@@ -6241,7 +6328,7 @@
     </p:spTree>
     <p:extLst>
       <p:ext uri="{BB962C8B-B14F-4D97-AF65-F5344CB8AC3E}">
-        <p14:creationId xmlns:p14="http://schemas.microsoft.com/office/powerpoint/2010/main" val="2286722252"/>
+        <p14:creationId xmlns:p14="http://schemas.microsoft.com/office/powerpoint/2010/main" val="2198453158"/>
       </p:ext>
     </p:extLst>
   </p:cSld>
@@ -6270,13 +6357,7 @@
       </p:grpSpPr>
       <p:sp>
         <p:nvSpPr>
-          <p:cNvPr id="2" name="Заголовок 1">
-            <a:extLst>
-              <a:ext uri="{FF2B5EF4-FFF2-40B4-BE49-F238E27FC236}">
-                <a16:creationId xmlns:a16="http://schemas.microsoft.com/office/drawing/2014/main" id="{FED99B99-B998-4A95-A59D-35A7543390D6}"/>
-              </a:ext>
-            </a:extLst>
-          </p:cNvPr>
+          <p:cNvPr id="2" name="Заголовок 1"/>
           <p:cNvSpPr>
             <a:spLocks noGrp="1"/>
           </p:cNvSpPr>
@@ -6290,22 +6371,16 @@
           <a:lstStyle/>
           <a:p>
             <a:r>
-              <a:rPr lang="ru-RU" dirty="0"/>
-              <a:t>7 принципов тестирования (4/7)</a:t>
-            </a:r>
-            <a:endParaRPr lang="ru-BY" dirty="0"/>
-          </a:p>
-        </p:txBody>
-      </p:sp>
-      <p:sp>
-        <p:nvSpPr>
-          <p:cNvPr id="3" name="Объект 2">
-            <a:extLst>
-              <a:ext uri="{FF2B5EF4-FFF2-40B4-BE49-F238E27FC236}">
-                <a16:creationId xmlns:a16="http://schemas.microsoft.com/office/drawing/2014/main" id="{AF093EC0-0579-4E18-8AE4-BCB2E2F99586}"/>
-              </a:ext>
-            </a:extLst>
-          </p:cNvPr>
+              <a:rPr lang="en-US" dirty="0" smtClean="0"/>
+              <a:t>Quality Assurance</a:t>
+            </a:r>
+            <a:endParaRPr lang="ru-RU" dirty="0"/>
+          </a:p>
+        </p:txBody>
+      </p:sp>
+      <p:sp>
+        <p:nvSpPr>
+          <p:cNvPr id="3" name="Объект 2"/>
           <p:cNvSpPr>
             <a:spLocks noGrp="1"/>
           </p:cNvSpPr>
@@ -6318,143 +6393,83 @@
           <a:bodyPr/>
           <a:lstStyle/>
           <a:p>
-            <a:pPr lvl="0" algn="l">
-              <a:spcBef>
-                <a:spcPts val="561"/>
-              </a:spcBef>
-              <a:spcAft>
-                <a:spcPts val="601"/>
-              </a:spcAft>
-              <a:tabLst>
-                <a:tab pos="0" algn="l"/>
-              </a:tabLst>
+            <a:pPr marL="0" indent="0">
+              <a:buNone/>
             </a:pPr>
             <a:r>
-              <a:rPr lang="ru-RU" sz="2000" dirty="0">
-                <a:solidFill>
-                  <a:srgbClr val="000000"/>
-                </a:solidFill>
-                <a:latin typeface="Myriad Pro" pitchFamily="18"/>
-                <a:ea typeface="MS PGothic" pitchFamily="49"/>
-                <a:cs typeface="Arial" pitchFamily="2"/>
-              </a:rPr>
-              <a:t>Принцип 4 – </a:t>
-            </a:r>
-            <a:r>
-              <a:rPr lang="ru-RU" sz="2000" dirty="0">
+              <a:rPr lang="ru-RU" dirty="0" smtClean="0"/>
+              <a:t>Деятельность направленная на улучшение качества продукта, может не включать в себя тестирование вообще.</a:t>
+            </a:r>
+          </a:p>
+          <a:p>
+            <a:pPr marL="0" indent="0">
+              <a:buNone/>
+            </a:pPr>
+            <a:r>
+              <a:rPr lang="ru-RU" dirty="0" smtClean="0">
                 <a:solidFill>
                   <a:srgbClr val="FF0000"/>
                 </a:solidFill>
-                <a:latin typeface="Myriad Pro" pitchFamily="18"/>
-                <a:ea typeface="MS PGothic" pitchFamily="49"/>
-                <a:cs typeface="Arial" pitchFamily="2"/>
-              </a:rPr>
-              <a:t>Скопление дефектов</a:t>
-            </a:r>
-          </a:p>
-          <a:p>
-            <a:pPr lvl="0" algn="l">
-              <a:spcBef>
-                <a:spcPts val="561"/>
-              </a:spcBef>
-              <a:spcAft>
-                <a:spcPts val="601"/>
-              </a:spcAft>
-              <a:tabLst>
-                <a:tab pos="0" algn="l"/>
-              </a:tabLst>
+              </a:rPr>
+              <a:t>Пример</a:t>
+            </a:r>
+            <a:r>
+              <a:rPr lang="en-US" dirty="0" smtClean="0">
+                <a:solidFill>
+                  <a:srgbClr val="FF0000"/>
+                </a:solidFill>
+              </a:rPr>
+              <a:t>:</a:t>
+            </a:r>
+            <a:r>
+              <a:rPr lang="ru-RU" dirty="0" smtClean="0">
+                <a:solidFill>
+                  <a:srgbClr val="FF0000"/>
+                </a:solidFill>
+              </a:rPr>
+              <a:t> профессия </a:t>
+            </a:r>
+            <a:r>
+              <a:rPr lang="en-US" b="1" u="sng" dirty="0" smtClean="0">
+                <a:solidFill>
+                  <a:srgbClr val="FF0000"/>
+                </a:solidFill>
+              </a:rPr>
+              <a:t>QA-</a:t>
+            </a:r>
+            <a:r>
+              <a:rPr lang="ru-RU" b="1" u="sng" dirty="0" smtClean="0">
+                <a:solidFill>
+                  <a:srgbClr val="FF0000"/>
+                </a:solidFill>
+              </a:rPr>
+              <a:t>аналитика</a:t>
+            </a:r>
+            <a:r>
+              <a:rPr lang="ru-RU" dirty="0" smtClean="0">
+                <a:solidFill>
+                  <a:srgbClr val="FF0000"/>
+                </a:solidFill>
+              </a:rPr>
+              <a:t>, чья задача анализировать документацию и процессы и предлагать варианты решения для уменьшения/предотвращения/удешевления стоимости багов и улучшения эффективности и скорости тестирования.</a:t>
+            </a:r>
+            <a:endParaRPr lang="ru-RU" dirty="0">
+              <a:solidFill>
+                <a:srgbClr val="FF0000"/>
+              </a:solidFill>
+            </a:endParaRPr>
+          </a:p>
+          <a:p>
+            <a:pPr marL="0" indent="0">
+              <a:buNone/>
             </a:pPr>
-            <a:endParaRPr lang="ru-RU" sz="2000" dirty="0">
-              <a:solidFill>
-                <a:srgbClr val="000000"/>
-              </a:solidFill>
-              <a:latin typeface="Myriad Pro" pitchFamily="18"/>
-              <a:ea typeface="MS PGothic" pitchFamily="49"/>
-              <a:cs typeface="Arial" pitchFamily="2"/>
-            </a:endParaRPr>
-          </a:p>
-          <a:p>
-            <a:pPr lvl="0" algn="l">
-              <a:spcBef>
-                <a:spcPts val="561"/>
-              </a:spcBef>
-              <a:spcAft>
-                <a:spcPts val="601"/>
-              </a:spcAft>
-              <a:tabLst>
-                <a:tab pos="0" algn="l"/>
-              </a:tabLst>
-            </a:pPr>
-            <a:r>
-              <a:rPr lang="ru-RU" sz="2000" dirty="0">
-                <a:solidFill>
-                  <a:srgbClr val="000000"/>
-                </a:solidFill>
-                <a:latin typeface="Myriad Pro" pitchFamily="18"/>
-                <a:ea typeface="MS PGothic" pitchFamily="49"/>
-                <a:cs typeface="Arial" pitchFamily="2"/>
-              </a:rPr>
-              <a:t>Б</a:t>
-            </a:r>
-            <a:r>
-              <a:rPr lang="ru-RU" sz="2000" b="1" i="1" dirty="0">
-                <a:solidFill>
-                  <a:srgbClr val="000000"/>
-                </a:solidFill>
-                <a:latin typeface="Myriad Pro" pitchFamily="18"/>
-                <a:ea typeface="MS PGothic" pitchFamily="49"/>
-                <a:cs typeface="Arial" pitchFamily="2"/>
-              </a:rPr>
-              <a:t>о</a:t>
-            </a:r>
-            <a:r>
-              <a:rPr lang="ru-RU" sz="2000" dirty="0">
-                <a:solidFill>
-                  <a:srgbClr val="000000"/>
-                </a:solidFill>
-                <a:latin typeface="Myriad Pro" pitchFamily="18"/>
-                <a:ea typeface="MS PGothic" pitchFamily="49"/>
-                <a:cs typeface="Arial" pitchFamily="2"/>
-              </a:rPr>
-              <a:t>льшая часть дефектов, обнаруженных при тестировании или повлекших за собой основное количество сбоев системы, содержится в небольшом количестве модулей (Принцип </a:t>
-            </a:r>
-            <a:r>
-              <a:rPr lang="ru-RU" sz="2000" dirty="0" err="1">
-                <a:solidFill>
-                  <a:srgbClr val="000000"/>
-                </a:solidFill>
-                <a:latin typeface="Myriad Pro" pitchFamily="18"/>
-                <a:ea typeface="MS PGothic" pitchFamily="49"/>
-                <a:cs typeface="Arial" pitchFamily="2"/>
-              </a:rPr>
-              <a:t>Паретто</a:t>
-            </a:r>
-            <a:r>
-              <a:rPr lang="ru-RU" sz="2000" dirty="0">
-                <a:solidFill>
-                  <a:srgbClr val="000000"/>
-                </a:solidFill>
-                <a:latin typeface="Myriad Pro" pitchFamily="18"/>
-                <a:ea typeface="MS PGothic" pitchFamily="49"/>
-                <a:cs typeface="Arial" pitchFamily="2"/>
-              </a:rPr>
-              <a:t> - 80/20)</a:t>
-            </a:r>
-          </a:p>
-          <a:p>
-            <a:endParaRPr lang="ru-BY" dirty="0"/>
-          </a:p>
-        </p:txBody>
-      </p:sp>
-      <p:sp>
-        <p:nvSpPr>
-          <p:cNvPr id="4" name="Дата 3">
-            <a:extLst>
-              <a:ext uri="{FF2B5EF4-FFF2-40B4-BE49-F238E27FC236}">
-                <a16:creationId xmlns:a16="http://schemas.microsoft.com/office/drawing/2014/main" id="{2C300D0D-37C4-45C0-802F-79C86D594CC5}"/>
-              </a:ext>
-            </a:extLst>
-          </p:cNvPr>
+            <a:endParaRPr lang="ru-RU" dirty="0"/>
+          </a:p>
+        </p:txBody>
+      </p:sp>
+      <p:sp>
+        <p:nvSpPr>
+          <p:cNvPr id="4" name="Дата 3"/>
           <p:cNvSpPr>
             <a:spLocks noGrp="1"/>
           </p:cNvSpPr>
@@ -6470,7 +6485,7 @@
             <a:pPr rtl="0"/>
             <a:fld id="{BE289488-0C23-4DC8-A9FA-240659547385}" type="datetime1">
               <a:rPr lang="ru-RU" smtClean="0"/>
-              <a:t>13.04.2022</a:t>
+              <a:t>02.07.2022</a:t>
             </a:fld>
             <a:endParaRPr lang="en-US" dirty="0"/>
           </a:p>
@@ -6479,7 +6494,7 @@
     </p:spTree>
     <p:extLst>
       <p:ext uri="{BB962C8B-B14F-4D97-AF65-F5344CB8AC3E}">
-        <p14:creationId xmlns:p14="http://schemas.microsoft.com/office/powerpoint/2010/main" val="3087498938"/>
+        <p14:creationId xmlns:p14="http://schemas.microsoft.com/office/powerpoint/2010/main" val="152898647"/>
       </p:ext>
     </p:extLst>
   </p:cSld>
@@ -6511,7 +6526,7 @@
           <p:cNvPr id="2" name="Заголовок 1">
             <a:extLst>
               <a:ext uri="{FF2B5EF4-FFF2-40B4-BE49-F238E27FC236}">
-                <a16:creationId xmlns:a16="http://schemas.microsoft.com/office/drawing/2014/main" id="{8914AB53-1FA8-4A63-9252-DFC96C0D73D6}"/>
+                <a16:creationId xmlns:a16="http://schemas.microsoft.com/office/drawing/2014/main" id="{ABE27113-E59C-4514-979C-3763E36E48C6}"/>
               </a:ext>
             </a:extLst>
           </p:cNvPr>
@@ -6529,7 +6544,7 @@
           <a:p>
             <a:r>
               <a:rPr lang="ru-RU" dirty="0"/>
-              <a:t>7 принципов тестирования (5/7)</a:t>
+              <a:t>7 принципов тестирования (1/7)</a:t>
             </a:r>
             <a:endParaRPr lang="ru-BY" dirty="0"/>
           </a:p>
@@ -6540,7 +6555,7 @@
           <p:cNvPr id="3" name="Объект 2">
             <a:extLst>
               <a:ext uri="{FF2B5EF4-FFF2-40B4-BE49-F238E27FC236}">
-                <a16:creationId xmlns:a16="http://schemas.microsoft.com/office/drawing/2014/main" id="{1A80A38D-08D1-4F00-BE41-01E64FDDEC0C}"/>
+                <a16:creationId xmlns:a16="http://schemas.microsoft.com/office/drawing/2014/main" id="{4FD7434C-4ED8-4576-AD3C-F5E38D93C56F}"/>
               </a:ext>
             </a:extLst>
           </p:cNvPr>
@@ -6555,42 +6570,6 @@
         <p:txBody>
           <a:bodyPr/>
           <a:lstStyle/>
-          <a:p>
-            <a:pPr marL="0" lvl="0" indent="0" algn="l">
-              <a:spcBef>
-                <a:spcPts val="561"/>
-              </a:spcBef>
-              <a:spcAft>
-                <a:spcPts val="601"/>
-              </a:spcAft>
-              <a:buNone/>
-              <a:tabLst>
-                <a:tab pos="343080" algn="l"/>
-              </a:tabLst>
-            </a:pPr>
-            <a:r>
-              <a:rPr lang="ru-RU" sz="2000" dirty="0">
-                <a:solidFill>
-                  <a:srgbClr val="000000"/>
-                </a:solidFill>
-                <a:latin typeface="Myriad Pro" pitchFamily="18"/>
-                <a:ea typeface="MS PGothic" pitchFamily="49"/>
-                <a:cs typeface="Arial" pitchFamily="34"/>
-              </a:rPr>
-              <a:t>Принцип 5 – </a:t>
-            </a:r>
-            <a:r>
-              <a:rPr lang="ru-RU" sz="2000" dirty="0">
-                <a:solidFill>
-                  <a:srgbClr val="FF0000"/>
-                </a:solidFill>
-                <a:latin typeface="Myriad Pro" pitchFamily="18"/>
-                <a:ea typeface="MS PGothic" pitchFamily="49"/>
-                <a:cs typeface="Arial" pitchFamily="34"/>
-              </a:rPr>
-              <a:t>Парадокс пестицида</a:t>
-            </a:r>
-          </a:p>
           <a:p>
             <a:pPr lvl="0" algn="l">
               <a:spcBef>
@@ -6603,14 +6582,28 @@
                 <a:tab pos="0" algn="l"/>
               </a:tabLst>
             </a:pPr>
-            <a:endParaRPr lang="ru-RU" sz="2000" dirty="0">
-              <a:solidFill>
-                <a:srgbClr val="000000"/>
-              </a:solidFill>
-              <a:latin typeface="Myriad Pro" pitchFamily="18"/>
-              <a:ea typeface="MS PGothic" pitchFamily="49"/>
-              <a:cs typeface="Arial" pitchFamily="34"/>
-            </a:endParaRPr>
+            <a:r>
+              <a:rPr lang="ru-RU" sz="2000" dirty="0">
+                <a:solidFill>
+                  <a:srgbClr val="000000"/>
+                </a:solidFill>
+                <a:latin typeface="Myriad Pro" pitchFamily="18"/>
+                <a:ea typeface="MS PGothic" pitchFamily="49"/>
+                <a:cs typeface="Arial" pitchFamily="2"/>
+              </a:rPr>
+              <a:t>Принцип 1 – </a:t>
+            </a:r>
+            <a:r>
+              <a:rPr lang="ru-RU" sz="2000" dirty="0">
+                <a:solidFill>
+                  <a:srgbClr val="FF0000"/>
+                </a:solidFill>
+                <a:latin typeface="Myriad Pro" pitchFamily="18"/>
+                <a:ea typeface="MS PGothic" pitchFamily="49"/>
+                <a:cs typeface="Arial" pitchFamily="2"/>
+              </a:rPr>
+              <a:t>Тестирование демонстрирует наличие дефектов</a:t>
+            </a:r>
           </a:p>
           <a:p>
             <a:pPr lvl="0" algn="l">
@@ -6624,6 +6617,29 @@
                 <a:tab pos="0" algn="l"/>
               </a:tabLst>
             </a:pPr>
+            <a:endParaRPr lang="uk-UA" sz="2000" dirty="0">
+              <a:solidFill>
+                <a:srgbClr val="000000"/>
+              </a:solidFill>
+              <a:latin typeface="Myriad Pro" pitchFamily="18"/>
+              <a:ea typeface="MS PGothic" pitchFamily="49"/>
+              <a:cs typeface="Arial" pitchFamily="2"/>
+            </a:endParaRPr>
+          </a:p>
+          <a:p>
+            <a:pPr marL="0" lvl="0" indent="0" algn="just">
+              <a:spcBef>
+                <a:spcPts val="561"/>
+              </a:spcBef>
+              <a:spcAft>
+                <a:spcPts val="601"/>
+              </a:spcAft>
+              <a:buSzPct val="45000"/>
+              <a:buNone/>
+              <a:tabLst>
+                <a:tab pos="0" algn="l"/>
+              </a:tabLst>
+            </a:pPr>
             <a:r>
               <a:rPr lang="ru-RU" sz="2000" dirty="0">
                 <a:solidFill>
@@ -6631,9 +6647,9 @@
                 </a:solidFill>
                 <a:latin typeface="Myriad Pro" pitchFamily="18"/>
                 <a:ea typeface="MS PGothic" pitchFamily="49"/>
-                <a:cs typeface="Arial" pitchFamily="34"/>
-              </a:rPr>
-              <a:t>Если одни и  те же тесты будут прогоняться много раз, в конечном счете этот набор тестовых сценариев больше не будет находить новых дефектов.</a:t>
+                <a:cs typeface="Arial" pitchFamily="2"/>
+              </a:rPr>
+              <a:t>Тестирование может показать, что дефекты присутствуют, но не может доказать, что их нет. Тестирование снижает вероятность наличия дефектов, находящихся в программном обеспечении, но, даже если дефекты не были обнаружены, это не доказывает его корректности.</a:t>
             </a:r>
           </a:p>
           <a:p>
@@ -6646,7 +6662,7 @@
           <p:cNvPr id="4" name="Дата 3">
             <a:extLst>
               <a:ext uri="{FF2B5EF4-FFF2-40B4-BE49-F238E27FC236}">
-                <a16:creationId xmlns:a16="http://schemas.microsoft.com/office/drawing/2014/main" id="{4AFC46A7-C27B-4645-A973-C9E7A928990B}"/>
+                <a16:creationId xmlns:a16="http://schemas.microsoft.com/office/drawing/2014/main" id="{2D0D29CC-F816-4DD1-8EC9-1AB729D5A021}"/>
               </a:ext>
             </a:extLst>
           </p:cNvPr>
@@ -6665,7 +6681,7 @@
             <a:pPr rtl="0"/>
             <a:fld id="{BE289488-0C23-4DC8-A9FA-240659547385}" type="datetime1">
               <a:rPr lang="ru-RU" smtClean="0"/>
-              <a:t>13.04.2022</a:t>
+              <a:t>02.07.2022</a:t>
             </a:fld>
             <a:endParaRPr lang="en-US" dirty="0"/>
           </a:p>
@@ -6674,7 +6690,7 @@
     </p:spTree>
     <p:extLst>
       <p:ext uri="{BB962C8B-B14F-4D97-AF65-F5344CB8AC3E}">
-        <p14:creationId xmlns:p14="http://schemas.microsoft.com/office/powerpoint/2010/main" val="3326565856"/>
+        <p14:creationId xmlns:p14="http://schemas.microsoft.com/office/powerpoint/2010/main" val="1377717501"/>
       </p:ext>
     </p:extLst>
   </p:cSld>
@@ -6706,6 +6722,1207 @@
           <p:cNvPr id="2" name="Заголовок 1">
             <a:extLst>
               <a:ext uri="{FF2B5EF4-FFF2-40B4-BE49-F238E27FC236}">
+                <a16:creationId xmlns:a16="http://schemas.microsoft.com/office/drawing/2014/main" id="{98925D84-A3B9-41AE-9000-3DDC001774A2}"/>
+              </a:ext>
+            </a:extLst>
+          </p:cNvPr>
+          <p:cNvSpPr>
+            <a:spLocks noGrp="1"/>
+          </p:cNvSpPr>
+          <p:nvPr>
+            <p:ph type="title"/>
+          </p:nvPr>
+        </p:nvSpPr>
+        <p:spPr/>
+        <p:txBody>
+          <a:bodyPr/>
+          <a:lstStyle/>
+          <a:p>
+            <a:r>
+              <a:rPr lang="ru-RU" dirty="0"/>
+              <a:t>7 принципов тестирования (2/7)</a:t>
+            </a:r>
+            <a:endParaRPr lang="ru-BY" dirty="0"/>
+          </a:p>
+        </p:txBody>
+      </p:sp>
+      <p:sp>
+        <p:nvSpPr>
+          <p:cNvPr id="3" name="Объект 2">
+            <a:extLst>
+              <a:ext uri="{FF2B5EF4-FFF2-40B4-BE49-F238E27FC236}">
+                <a16:creationId xmlns:a16="http://schemas.microsoft.com/office/drawing/2014/main" id="{4F4DBD06-CC96-4FC2-86A0-495B2EE87177}"/>
+              </a:ext>
+            </a:extLst>
+          </p:cNvPr>
+          <p:cNvSpPr>
+            <a:spLocks noGrp="1"/>
+          </p:cNvSpPr>
+          <p:nvPr>
+            <p:ph idx="1"/>
+          </p:nvPr>
+        </p:nvSpPr>
+        <p:spPr/>
+        <p:txBody>
+          <a:bodyPr/>
+          <a:lstStyle/>
+          <a:p>
+            <a:pPr lvl="0" algn="l">
+              <a:spcBef>
+                <a:spcPts val="519"/>
+              </a:spcBef>
+              <a:spcAft>
+                <a:spcPts val="601"/>
+              </a:spcAft>
+              <a:tabLst>
+                <a:tab pos="0" algn="l"/>
+              </a:tabLst>
+            </a:pPr>
+            <a:r>
+              <a:rPr lang="ru-RU" sz="2000" dirty="0">
+                <a:solidFill>
+                  <a:srgbClr val="000000"/>
+                </a:solidFill>
+                <a:latin typeface="Myriad Pro" pitchFamily="18"/>
+                <a:ea typeface="MS PGothic" pitchFamily="49"/>
+                <a:cs typeface="Arial" pitchFamily="2"/>
+              </a:rPr>
+              <a:t>Принцип 2 – </a:t>
+            </a:r>
+            <a:r>
+              <a:rPr lang="ru-RU" sz="2000" dirty="0">
+                <a:solidFill>
+                  <a:srgbClr val="FF0000"/>
+                </a:solidFill>
+                <a:latin typeface="Myriad Pro" pitchFamily="18"/>
+                <a:ea typeface="MS PGothic" pitchFamily="49"/>
+                <a:cs typeface="Arial" pitchFamily="2"/>
+              </a:rPr>
+              <a:t>Исчерпывающее тестирование недостижимо</a:t>
+            </a:r>
+          </a:p>
+          <a:p>
+            <a:pPr lvl="0" algn="l">
+              <a:spcBef>
+                <a:spcPts val="519"/>
+              </a:spcBef>
+              <a:spcAft>
+                <a:spcPts val="601"/>
+              </a:spcAft>
+              <a:tabLst>
+                <a:tab pos="0" algn="l"/>
+              </a:tabLst>
+            </a:pPr>
+            <a:endParaRPr lang="ru-RU" sz="2000" dirty="0">
+              <a:solidFill>
+                <a:srgbClr val="FF0000"/>
+              </a:solidFill>
+              <a:latin typeface="Myriad Pro" pitchFamily="18"/>
+              <a:ea typeface="MS PGothic" pitchFamily="49"/>
+              <a:cs typeface="Arial" pitchFamily="2"/>
+            </a:endParaRPr>
+          </a:p>
+          <a:p>
+            <a:pPr lvl="0" algn="just">
+              <a:spcBef>
+                <a:spcPts val="519"/>
+              </a:spcBef>
+              <a:spcAft>
+                <a:spcPts val="601"/>
+              </a:spcAft>
+              <a:tabLst>
+                <a:tab pos="0" algn="l"/>
+              </a:tabLst>
+            </a:pPr>
+            <a:r>
+              <a:rPr lang="ru-RU" sz="2000" dirty="0">
+                <a:solidFill>
+                  <a:srgbClr val="000000"/>
+                </a:solidFill>
+                <a:latin typeface="Myriad Pro" pitchFamily="18"/>
+                <a:ea typeface="MS PGothic" pitchFamily="49"/>
+                <a:cs typeface="Arial" pitchFamily="2"/>
+              </a:rPr>
+              <a:t>Полное тестирование с использованием всех комбинаций вводов и предусловий физически невыполнимо, за исключением тривиальных случаев. Вместо исчерпывающего тестирования должны использоваться анализ рисков и расстановка приоритетов, чтобы более точно сфокусировать усилия по тестированию.</a:t>
+            </a:r>
+          </a:p>
+          <a:p>
+            <a:endParaRPr lang="ru-BY" dirty="0"/>
+          </a:p>
+        </p:txBody>
+      </p:sp>
+      <p:sp>
+        <p:nvSpPr>
+          <p:cNvPr id="4" name="Дата 3">
+            <a:extLst>
+              <a:ext uri="{FF2B5EF4-FFF2-40B4-BE49-F238E27FC236}">
+                <a16:creationId xmlns:a16="http://schemas.microsoft.com/office/drawing/2014/main" id="{EA5576FE-8A00-4BF8-A28A-32D981C36D15}"/>
+              </a:ext>
+            </a:extLst>
+          </p:cNvPr>
+          <p:cNvSpPr>
+            <a:spLocks noGrp="1"/>
+          </p:cNvSpPr>
+          <p:nvPr>
+            <p:ph type="dt" sz="half" idx="10"/>
+          </p:nvPr>
+        </p:nvSpPr>
+        <p:spPr/>
+        <p:txBody>
+          <a:bodyPr/>
+          <a:lstStyle/>
+          <a:p>
+            <a:pPr rtl="0"/>
+            <a:fld id="{BE289488-0C23-4DC8-A9FA-240659547385}" type="datetime1">
+              <a:rPr lang="ru-RU" smtClean="0"/>
+              <a:t>02.07.2022</a:t>
+            </a:fld>
+            <a:endParaRPr lang="en-US" dirty="0"/>
+          </a:p>
+        </p:txBody>
+      </p:sp>
+    </p:spTree>
+    <p:extLst>
+      <p:ext uri="{BB962C8B-B14F-4D97-AF65-F5344CB8AC3E}">
+        <p14:creationId xmlns:p14="http://schemas.microsoft.com/office/powerpoint/2010/main" val="442533698"/>
+      </p:ext>
+    </p:extLst>
+  </p:cSld>
+  <p:clrMapOvr>
+    <a:masterClrMapping/>
+  </p:clrMapOvr>
+</p:sld>
+</file>
+
+<file path=ppt/slides/slide19.xml><?xml version="1.0" encoding="utf-8"?>
+<p:sld xmlns:a="http://schemas.openxmlformats.org/drawingml/2006/main" xmlns:r="http://schemas.openxmlformats.org/officeDocument/2006/relationships" xmlns:p="http://schemas.openxmlformats.org/presentationml/2006/main">
+  <p:cSld>
+    <p:spTree>
+      <p:nvGrpSpPr>
+        <p:cNvPr id="1" name=""/>
+        <p:cNvGrpSpPr/>
+        <p:nvPr/>
+      </p:nvGrpSpPr>
+      <p:grpSpPr>
+        <a:xfrm>
+          <a:off x="0" y="0"/>
+          <a:ext cx="0" cy="0"/>
+          <a:chOff x="0" y="0"/>
+          <a:chExt cx="0" cy="0"/>
+        </a:xfrm>
+      </p:grpSpPr>
+      <p:sp>
+        <p:nvSpPr>
+          <p:cNvPr id="2" name="Заголовок 1">
+            <a:extLst>
+              <a:ext uri="{FF2B5EF4-FFF2-40B4-BE49-F238E27FC236}">
+                <a16:creationId xmlns:a16="http://schemas.microsoft.com/office/drawing/2014/main" id="{CBA6A982-37AA-40A1-8676-6329AD815CBF}"/>
+              </a:ext>
+            </a:extLst>
+          </p:cNvPr>
+          <p:cNvSpPr>
+            <a:spLocks noGrp="1"/>
+          </p:cNvSpPr>
+          <p:nvPr>
+            <p:ph type="title"/>
+          </p:nvPr>
+        </p:nvSpPr>
+        <p:spPr/>
+        <p:txBody>
+          <a:bodyPr/>
+          <a:lstStyle/>
+          <a:p>
+            <a:r>
+              <a:rPr lang="ru-RU" dirty="0"/>
+              <a:t>7 принципов тестирования (3/7)</a:t>
+            </a:r>
+            <a:endParaRPr lang="ru-BY" dirty="0"/>
+          </a:p>
+        </p:txBody>
+      </p:sp>
+      <p:sp>
+        <p:nvSpPr>
+          <p:cNvPr id="3" name="Объект 2">
+            <a:extLst>
+              <a:ext uri="{FF2B5EF4-FFF2-40B4-BE49-F238E27FC236}">
+                <a16:creationId xmlns:a16="http://schemas.microsoft.com/office/drawing/2014/main" id="{B4D12D25-BAD8-4FB0-830B-FFBC2C27883B}"/>
+              </a:ext>
+            </a:extLst>
+          </p:cNvPr>
+          <p:cNvSpPr>
+            <a:spLocks noGrp="1"/>
+          </p:cNvSpPr>
+          <p:nvPr>
+            <p:ph idx="1"/>
+          </p:nvPr>
+        </p:nvSpPr>
+        <p:spPr/>
+        <p:txBody>
+          <a:bodyPr/>
+          <a:lstStyle/>
+          <a:p>
+            <a:pPr marL="0" marR="0" lvl="0" indent="0" rtl="0" hangingPunct="0">
+              <a:lnSpc>
+                <a:spcPct val="100000"/>
+              </a:lnSpc>
+              <a:spcBef>
+                <a:spcPts val="0"/>
+              </a:spcBef>
+              <a:spcAft>
+                <a:spcPts val="0"/>
+              </a:spcAft>
+              <a:buNone/>
+              <a:tabLst/>
+            </a:pPr>
+            <a:r>
+              <a:rPr lang="ru-RU" sz="2000" b="0" i="0" u="none" strike="noStrike" kern="1200" cap="none" spc="0" baseline="0" dirty="0">
+                <a:ln>
+                  <a:noFill/>
+                </a:ln>
+                <a:solidFill>
+                  <a:srgbClr val="000000"/>
+                </a:solidFill>
+                <a:highlight>
+                  <a:scrgbClr r="0" g="0" b="0">
+                    <a:alpha val="0"/>
+                  </a:scrgbClr>
+                </a:highlight>
+                <a:latin typeface="Myriad Pro" pitchFamily="18"/>
+                <a:ea typeface="MS PGothic" pitchFamily="49"/>
+                <a:cs typeface="Arial" pitchFamily="2"/>
+              </a:rPr>
+              <a:t>Принцип 3 – </a:t>
+            </a:r>
+            <a:r>
+              <a:rPr lang="ru-RU" sz="2000" b="0" i="0" u="none" strike="noStrike" kern="1200" cap="none" spc="0" baseline="0" dirty="0">
+                <a:ln>
+                  <a:noFill/>
+                </a:ln>
+                <a:solidFill>
+                  <a:srgbClr val="FF0000"/>
+                </a:solidFill>
+                <a:highlight>
+                  <a:scrgbClr r="0" g="0" b="0">
+                    <a:alpha val="0"/>
+                  </a:scrgbClr>
+                </a:highlight>
+                <a:latin typeface="Myriad Pro" pitchFamily="18"/>
+                <a:ea typeface="MS PGothic" pitchFamily="49"/>
+                <a:cs typeface="Arial" pitchFamily="2"/>
+              </a:rPr>
+              <a:t>Раннее тестирование </a:t>
+            </a:r>
+            <a:r>
+              <a:rPr lang="uk-UA" sz="2000" b="0" i="0" u="none" strike="noStrike" kern="1200" cap="none" spc="0" baseline="0" dirty="0">
+                <a:ln>
+                  <a:noFill/>
+                </a:ln>
+                <a:solidFill>
+                  <a:srgbClr val="000000"/>
+                </a:solidFill>
+                <a:highlight>
+                  <a:scrgbClr r="0" g="0" b="0">
+                    <a:alpha val="0"/>
+                  </a:scrgbClr>
+                </a:highlight>
+                <a:latin typeface="Myriad Pro" pitchFamily="18"/>
+                <a:ea typeface="MS PGothic" pitchFamily="49"/>
+                <a:cs typeface="Arial" pitchFamily="2"/>
+              </a:rPr>
+              <a:t/>
+            </a:r>
+            <a:br>
+              <a:rPr lang="uk-UA" sz="2000" b="0" i="0" u="none" strike="noStrike" kern="1200" cap="none" spc="0" baseline="0" dirty="0">
+                <a:ln>
+                  <a:noFill/>
+                </a:ln>
+                <a:solidFill>
+                  <a:srgbClr val="000000"/>
+                </a:solidFill>
+                <a:highlight>
+                  <a:scrgbClr r="0" g="0" b="0">
+                    <a:alpha val="0"/>
+                  </a:scrgbClr>
+                </a:highlight>
+                <a:latin typeface="Myriad Pro" pitchFamily="18"/>
+                <a:ea typeface="MS PGothic" pitchFamily="49"/>
+                <a:cs typeface="Arial" pitchFamily="2"/>
+              </a:rPr>
+            </a:br>
+            <a:endParaRPr lang="uk-UA" sz="2000" b="0" i="0" u="none" strike="noStrike" kern="1200" cap="none" spc="0" baseline="0" dirty="0">
+              <a:ln>
+                <a:noFill/>
+              </a:ln>
+              <a:solidFill>
+                <a:srgbClr val="000000"/>
+              </a:solidFill>
+              <a:highlight>
+                <a:scrgbClr r="0" g="0" b="0">
+                  <a:alpha val="0"/>
+                </a:scrgbClr>
+              </a:highlight>
+              <a:latin typeface="Myriad Pro" pitchFamily="18"/>
+              <a:ea typeface="MS PGothic" pitchFamily="49"/>
+              <a:cs typeface="Arial" pitchFamily="2"/>
+            </a:endParaRPr>
+          </a:p>
+          <a:p>
+            <a:pPr marL="0" marR="0" lvl="0" indent="0" algn="just" rtl="0" hangingPunct="0">
+              <a:lnSpc>
+                <a:spcPct val="100000"/>
+              </a:lnSpc>
+              <a:spcBef>
+                <a:spcPts val="0"/>
+              </a:spcBef>
+              <a:spcAft>
+                <a:spcPts val="0"/>
+              </a:spcAft>
+              <a:buNone/>
+              <a:tabLst/>
+            </a:pPr>
+            <a:r>
+              <a:rPr lang="ru-RU" sz="2000" b="0" i="0" u="none" strike="noStrike" kern="1200" cap="none" spc="0" baseline="0" dirty="0">
+                <a:ln>
+                  <a:noFill/>
+                </a:ln>
+                <a:solidFill>
+                  <a:srgbClr val="000000"/>
+                </a:solidFill>
+                <a:highlight>
+                  <a:scrgbClr r="0" g="0" b="0">
+                    <a:alpha val="0"/>
+                  </a:scrgbClr>
+                </a:highlight>
+                <a:latin typeface="Myriad Pro" pitchFamily="18"/>
+                <a:ea typeface="MS PGothic" pitchFamily="49"/>
+                <a:cs typeface="Arial" pitchFamily="2"/>
+              </a:rPr>
+              <a:t>Чтобы найти дефекты как можно раньше, активности по тестированию должны быть начаты как можно раньше в жизненном цикле разработки программного обеспечения или системы, и должны быть сфокусированы на определенных целях.</a:t>
+            </a:r>
+          </a:p>
+          <a:p>
+            <a:endParaRPr lang="ru-BY" dirty="0"/>
+          </a:p>
+        </p:txBody>
+      </p:sp>
+      <p:sp>
+        <p:nvSpPr>
+          <p:cNvPr id="4" name="Дата 3">
+            <a:extLst>
+              <a:ext uri="{FF2B5EF4-FFF2-40B4-BE49-F238E27FC236}">
+                <a16:creationId xmlns:a16="http://schemas.microsoft.com/office/drawing/2014/main" id="{1CFB17B2-AA28-4E03-BF16-0CB963B2502A}"/>
+              </a:ext>
+            </a:extLst>
+          </p:cNvPr>
+          <p:cNvSpPr>
+            <a:spLocks noGrp="1"/>
+          </p:cNvSpPr>
+          <p:nvPr>
+            <p:ph type="dt" sz="half" idx="10"/>
+          </p:nvPr>
+        </p:nvSpPr>
+        <p:spPr/>
+        <p:txBody>
+          <a:bodyPr/>
+          <a:lstStyle/>
+          <a:p>
+            <a:pPr rtl="0"/>
+            <a:fld id="{BE289488-0C23-4DC8-A9FA-240659547385}" type="datetime1">
+              <a:rPr lang="ru-RU" smtClean="0"/>
+              <a:t>02.07.2022</a:t>
+            </a:fld>
+            <a:endParaRPr lang="en-US" dirty="0"/>
+          </a:p>
+        </p:txBody>
+      </p:sp>
+    </p:spTree>
+    <p:extLst>
+      <p:ext uri="{BB962C8B-B14F-4D97-AF65-F5344CB8AC3E}">
+        <p14:creationId xmlns:p14="http://schemas.microsoft.com/office/powerpoint/2010/main" val="2286722252"/>
+      </p:ext>
+    </p:extLst>
+  </p:cSld>
+  <p:clrMapOvr>
+    <a:masterClrMapping/>
+  </p:clrMapOvr>
+</p:sld>
+</file>
+
+<file path=ppt/slides/slide2.xml><?xml version="1.0" encoding="utf-8"?>
+<p:sld xmlns:a="http://schemas.openxmlformats.org/drawingml/2006/main" xmlns:r="http://schemas.openxmlformats.org/officeDocument/2006/relationships" xmlns:p="http://schemas.openxmlformats.org/presentationml/2006/main">
+  <p:cSld>
+    <p:spTree>
+      <p:nvGrpSpPr>
+        <p:cNvPr id="1" name=""/>
+        <p:cNvGrpSpPr/>
+        <p:nvPr/>
+      </p:nvGrpSpPr>
+      <p:grpSpPr>
+        <a:xfrm>
+          <a:off x="0" y="0"/>
+          <a:ext cx="0" cy="0"/>
+          <a:chOff x="0" y="0"/>
+          <a:chExt cx="0" cy="0"/>
+        </a:xfrm>
+      </p:grpSpPr>
+      <p:sp>
+        <p:nvSpPr>
+          <p:cNvPr id="2" name="Заголовок 1">
+            <a:extLst>
+              <a:ext uri="{FF2B5EF4-FFF2-40B4-BE49-F238E27FC236}">
+                <a16:creationId xmlns:a16="http://schemas.microsoft.com/office/drawing/2014/main" id="{9FF4FE27-8898-4F30-8FA5-1A8B698C290A}"/>
+              </a:ext>
+            </a:extLst>
+          </p:cNvPr>
+          <p:cNvSpPr>
+            <a:spLocks noGrp="1"/>
+          </p:cNvSpPr>
+          <p:nvPr>
+            <p:ph type="title"/>
+          </p:nvPr>
+        </p:nvSpPr>
+        <p:spPr/>
+        <p:txBody>
+          <a:bodyPr/>
+          <a:lstStyle/>
+          <a:p>
+            <a:r>
+              <a:rPr lang="ru-RU" dirty="0"/>
+              <a:t>Почему тестирование необходимо?</a:t>
+            </a:r>
+            <a:endParaRPr lang="ru-BY" dirty="0"/>
+          </a:p>
+        </p:txBody>
+      </p:sp>
+      <p:sp>
+        <p:nvSpPr>
+          <p:cNvPr id="3" name="Объект 2">
+            <a:extLst>
+              <a:ext uri="{FF2B5EF4-FFF2-40B4-BE49-F238E27FC236}">
+                <a16:creationId xmlns:a16="http://schemas.microsoft.com/office/drawing/2014/main" id="{73B20060-A0E1-429A-AEE0-A89D53466D13}"/>
+              </a:ext>
+            </a:extLst>
+          </p:cNvPr>
+          <p:cNvSpPr>
+            <a:spLocks noGrp="1"/>
+          </p:cNvSpPr>
+          <p:nvPr>
+            <p:ph idx="1"/>
+          </p:nvPr>
+        </p:nvSpPr>
+        <p:spPr/>
+        <p:txBody>
+          <a:bodyPr/>
+          <a:lstStyle/>
+          <a:p>
+            <a:pPr marL="0" marR="0" lvl="0" indent="0" algn="just" rtl="0" hangingPunct="0">
+              <a:lnSpc>
+                <a:spcPct val="100000"/>
+              </a:lnSpc>
+              <a:spcBef>
+                <a:spcPts val="0"/>
+              </a:spcBef>
+              <a:spcAft>
+                <a:spcPts val="0"/>
+              </a:spcAft>
+              <a:buNone/>
+              <a:tabLst/>
+            </a:pPr>
+            <a:r>
+              <a:rPr lang="ru-RU" sz="2000" b="0" i="0" u="none" strike="noStrike" kern="1200" cap="none" spc="0" baseline="0" dirty="0">
+                <a:ln>
+                  <a:noFill/>
+                </a:ln>
+                <a:solidFill>
+                  <a:srgbClr val="000000"/>
+                </a:solidFill>
+                <a:highlight>
+                  <a:scrgbClr r="0" g="0" b="0">
+                    <a:alpha val="0"/>
+                  </a:scrgbClr>
+                </a:highlight>
+                <a:latin typeface="Myriad Pro" pitchFamily="18"/>
+                <a:ea typeface="MS PGothic" pitchFamily="49"/>
+                <a:cs typeface="Arial" pitchFamily="34"/>
+              </a:rPr>
+              <a:t>Тестирование необходимо, потому что </a:t>
+            </a:r>
+            <a:r>
+              <a:rPr lang="ru-RU" sz="2000" b="0" i="0" u="none" strike="noStrike" kern="1200" cap="none" spc="0" baseline="0" dirty="0">
+                <a:ln>
+                  <a:noFill/>
+                </a:ln>
+                <a:solidFill>
+                  <a:srgbClr val="FF0000"/>
+                </a:solidFill>
+                <a:highlight>
+                  <a:scrgbClr r="0" g="0" b="0">
+                    <a:alpha val="0"/>
+                  </a:scrgbClr>
+                </a:highlight>
+                <a:latin typeface="Myriad Pro" pitchFamily="18"/>
+                <a:ea typeface="MS PGothic" pitchFamily="49"/>
+                <a:cs typeface="Arial" pitchFamily="34"/>
+              </a:rPr>
+              <a:t>люди склонны ошибаться</a:t>
+            </a:r>
+            <a:r>
+              <a:rPr lang="ru-RU" sz="2000" b="0" i="0" u="none" strike="noStrike" kern="1200" cap="none" spc="0" baseline="0" dirty="0">
+                <a:ln>
+                  <a:noFill/>
+                </a:ln>
+                <a:solidFill>
+                  <a:srgbClr val="000000"/>
+                </a:solidFill>
+                <a:highlight>
+                  <a:scrgbClr r="0" g="0" b="0">
+                    <a:alpha val="0"/>
+                  </a:scrgbClr>
+                </a:highlight>
+                <a:latin typeface="Myriad Pro" pitchFamily="18"/>
+                <a:ea typeface="MS PGothic" pitchFamily="49"/>
+                <a:cs typeface="Arial" pitchFamily="34"/>
+              </a:rPr>
+              <a:t>. Одни ошибки незначительны, другие же опасны и дорого обходятся.</a:t>
+            </a:r>
+          </a:p>
+          <a:p>
+            <a:pPr marL="0" marR="0" lvl="0" indent="0" rtl="0" hangingPunct="0">
+              <a:lnSpc>
+                <a:spcPct val="100000"/>
+              </a:lnSpc>
+              <a:spcBef>
+                <a:spcPts val="0"/>
+              </a:spcBef>
+              <a:spcAft>
+                <a:spcPts val="0"/>
+              </a:spcAft>
+              <a:buNone/>
+              <a:tabLst/>
+            </a:pPr>
+            <a:endParaRPr lang="ru-RU" sz="2000" b="0" i="0" u="none" strike="noStrike" kern="1200" cap="none" spc="0" baseline="0" dirty="0">
+              <a:ln>
+                <a:noFill/>
+              </a:ln>
+              <a:solidFill>
+                <a:srgbClr val="000000"/>
+              </a:solidFill>
+              <a:highlight>
+                <a:scrgbClr r="0" g="0" b="0">
+                  <a:alpha val="0"/>
+                </a:scrgbClr>
+              </a:highlight>
+              <a:latin typeface="Myriad Pro" pitchFamily="18"/>
+              <a:ea typeface="MS PGothic" pitchFamily="49"/>
+              <a:cs typeface="Arial" pitchFamily="34"/>
+            </a:endParaRPr>
+          </a:p>
+          <a:p>
+            <a:pPr marL="0" marR="0" lvl="0" indent="0" algn="just" rtl="0" hangingPunct="0">
+              <a:lnSpc>
+                <a:spcPct val="100000"/>
+              </a:lnSpc>
+              <a:spcBef>
+                <a:spcPts val="0"/>
+              </a:spcBef>
+              <a:spcAft>
+                <a:spcPts val="0"/>
+              </a:spcAft>
+              <a:buNone/>
+              <a:tabLst/>
+            </a:pPr>
+            <a:r>
+              <a:rPr lang="ru-RU" sz="2000" b="0" i="0" u="none" strike="noStrike" kern="1200" cap="none" spc="0" baseline="0" dirty="0">
+                <a:ln>
+                  <a:noFill/>
+                </a:ln>
+                <a:solidFill>
+                  <a:srgbClr val="000000"/>
+                </a:solidFill>
+                <a:highlight>
+                  <a:scrgbClr r="0" g="0" b="0">
+                    <a:alpha val="0"/>
+                  </a:scrgbClr>
+                </a:highlight>
+                <a:latin typeface="Myriad Pro" pitchFamily="18"/>
+                <a:ea typeface="MS PGothic" pitchFamily="49"/>
+                <a:cs typeface="Arial" pitchFamily="34"/>
+              </a:rPr>
+              <a:t>Поскольку ошибки допускают все люди, мы должны внимательно проверять результаты своей (и чужой </a:t>
+            </a:r>
+            <a:r>
+              <a:rPr lang="en-US" sz="2000" b="0" i="0" u="none" strike="noStrike" kern="1200" cap="none" spc="0" baseline="0" dirty="0">
+                <a:ln>
+                  <a:noFill/>
+                </a:ln>
+                <a:solidFill>
+                  <a:srgbClr val="000000"/>
+                </a:solidFill>
+                <a:highlight>
+                  <a:scrgbClr r="0" g="0" b="0">
+                    <a:alpha val="0"/>
+                  </a:scrgbClr>
+                </a:highlight>
+                <a:latin typeface="Myriad Pro" pitchFamily="18"/>
+                <a:ea typeface="MS PGothic" pitchFamily="49"/>
+                <a:cs typeface="Arial" pitchFamily="34"/>
+              </a:rPr>
+              <a:t>;)</a:t>
+            </a:r>
+            <a:r>
+              <a:rPr lang="ru-RU" sz="2000" b="0" i="0" u="none" strike="noStrike" kern="1200" cap="none" spc="0" baseline="0" dirty="0">
+                <a:ln>
+                  <a:noFill/>
+                </a:ln>
+                <a:solidFill>
+                  <a:srgbClr val="000000"/>
+                </a:solidFill>
+                <a:highlight>
+                  <a:scrgbClr r="0" g="0" b="0">
+                    <a:alpha val="0"/>
+                  </a:scrgbClr>
+                </a:highlight>
+                <a:latin typeface="Myriad Pro" pitchFamily="18"/>
+                <a:ea typeface="MS PGothic" pitchFamily="49"/>
+                <a:cs typeface="Arial" pitchFamily="34"/>
+              </a:rPr>
+              <a:t> ) работы, всего, что мы делаем.</a:t>
+            </a:r>
+          </a:p>
+          <a:p>
+            <a:pPr marL="0" marR="0" lvl="0" indent="0" rtl="0" hangingPunct="0">
+              <a:lnSpc>
+                <a:spcPct val="100000"/>
+              </a:lnSpc>
+              <a:spcBef>
+                <a:spcPts val="0"/>
+              </a:spcBef>
+              <a:spcAft>
+                <a:spcPts val="0"/>
+              </a:spcAft>
+              <a:buNone/>
+              <a:tabLst/>
+            </a:pPr>
+            <a:endParaRPr lang="en-US" sz="2000" b="0" i="0" u="none" strike="noStrike" kern="1200" cap="none" spc="0" baseline="0" dirty="0">
+              <a:ln>
+                <a:noFill/>
+              </a:ln>
+              <a:solidFill>
+                <a:srgbClr val="000000"/>
+              </a:solidFill>
+              <a:highlight>
+                <a:scrgbClr r="0" g="0" b="0">
+                  <a:alpha val="0"/>
+                </a:scrgbClr>
+              </a:highlight>
+              <a:latin typeface="Myriad Pro" pitchFamily="18"/>
+              <a:ea typeface="MS PGothic" pitchFamily="49"/>
+              <a:cs typeface="Arial" pitchFamily="34"/>
+            </a:endParaRPr>
+          </a:p>
+          <a:p>
+            <a:endParaRPr lang="ru-BY" dirty="0"/>
+          </a:p>
+        </p:txBody>
+      </p:sp>
+      <p:sp>
+        <p:nvSpPr>
+          <p:cNvPr id="4" name="Дата 3">
+            <a:extLst>
+              <a:ext uri="{FF2B5EF4-FFF2-40B4-BE49-F238E27FC236}">
+                <a16:creationId xmlns:a16="http://schemas.microsoft.com/office/drawing/2014/main" id="{49903A16-145C-4B98-8FAC-7F908B6D7C45}"/>
+              </a:ext>
+            </a:extLst>
+          </p:cNvPr>
+          <p:cNvSpPr>
+            <a:spLocks noGrp="1"/>
+          </p:cNvSpPr>
+          <p:nvPr>
+            <p:ph type="dt" sz="half" idx="10"/>
+          </p:nvPr>
+        </p:nvSpPr>
+        <p:spPr/>
+        <p:txBody>
+          <a:bodyPr/>
+          <a:lstStyle/>
+          <a:p>
+            <a:pPr rtl="0"/>
+            <a:fld id="{BE289488-0C23-4DC8-A9FA-240659547385}" type="datetime1">
+              <a:rPr lang="ru-RU" smtClean="0"/>
+              <a:t>02.07.2022</a:t>
+            </a:fld>
+            <a:endParaRPr lang="en-US" dirty="0"/>
+          </a:p>
+        </p:txBody>
+      </p:sp>
+    </p:spTree>
+    <p:extLst>
+      <p:ext uri="{BB962C8B-B14F-4D97-AF65-F5344CB8AC3E}">
+        <p14:creationId xmlns:p14="http://schemas.microsoft.com/office/powerpoint/2010/main" val="3030683153"/>
+      </p:ext>
+    </p:extLst>
+  </p:cSld>
+  <p:clrMapOvr>
+    <a:masterClrMapping/>
+  </p:clrMapOvr>
+</p:sld>
+</file>
+
+<file path=ppt/slides/slide20.xml><?xml version="1.0" encoding="utf-8"?>
+<p:sld xmlns:a="http://schemas.openxmlformats.org/drawingml/2006/main" xmlns:r="http://schemas.openxmlformats.org/officeDocument/2006/relationships" xmlns:p="http://schemas.openxmlformats.org/presentationml/2006/main">
+  <p:cSld>
+    <p:spTree>
+      <p:nvGrpSpPr>
+        <p:cNvPr id="1" name=""/>
+        <p:cNvGrpSpPr/>
+        <p:nvPr/>
+      </p:nvGrpSpPr>
+      <p:grpSpPr>
+        <a:xfrm>
+          <a:off x="0" y="0"/>
+          <a:ext cx="0" cy="0"/>
+          <a:chOff x="0" y="0"/>
+          <a:chExt cx="0" cy="0"/>
+        </a:xfrm>
+      </p:grpSpPr>
+      <p:sp>
+        <p:nvSpPr>
+          <p:cNvPr id="2" name="Заголовок 1">
+            <a:extLst>
+              <a:ext uri="{FF2B5EF4-FFF2-40B4-BE49-F238E27FC236}">
+                <a16:creationId xmlns:a16="http://schemas.microsoft.com/office/drawing/2014/main" id="{FED99B99-B998-4A95-A59D-35A7543390D6}"/>
+              </a:ext>
+            </a:extLst>
+          </p:cNvPr>
+          <p:cNvSpPr>
+            <a:spLocks noGrp="1"/>
+          </p:cNvSpPr>
+          <p:nvPr>
+            <p:ph type="title"/>
+          </p:nvPr>
+        </p:nvSpPr>
+        <p:spPr/>
+        <p:txBody>
+          <a:bodyPr/>
+          <a:lstStyle/>
+          <a:p>
+            <a:r>
+              <a:rPr lang="ru-RU" dirty="0"/>
+              <a:t>7 принципов тестирования (4/7)</a:t>
+            </a:r>
+            <a:endParaRPr lang="ru-BY" dirty="0"/>
+          </a:p>
+        </p:txBody>
+      </p:sp>
+      <p:sp>
+        <p:nvSpPr>
+          <p:cNvPr id="3" name="Объект 2">
+            <a:extLst>
+              <a:ext uri="{FF2B5EF4-FFF2-40B4-BE49-F238E27FC236}">
+                <a16:creationId xmlns:a16="http://schemas.microsoft.com/office/drawing/2014/main" id="{AF093EC0-0579-4E18-8AE4-BCB2E2F99586}"/>
+              </a:ext>
+            </a:extLst>
+          </p:cNvPr>
+          <p:cNvSpPr>
+            <a:spLocks noGrp="1"/>
+          </p:cNvSpPr>
+          <p:nvPr>
+            <p:ph idx="1"/>
+          </p:nvPr>
+        </p:nvSpPr>
+        <p:spPr/>
+        <p:txBody>
+          <a:bodyPr/>
+          <a:lstStyle/>
+          <a:p>
+            <a:pPr lvl="0" algn="l">
+              <a:spcBef>
+                <a:spcPts val="561"/>
+              </a:spcBef>
+              <a:spcAft>
+                <a:spcPts val="601"/>
+              </a:spcAft>
+              <a:tabLst>
+                <a:tab pos="0" algn="l"/>
+              </a:tabLst>
+            </a:pPr>
+            <a:r>
+              <a:rPr lang="ru-RU" sz="2000" dirty="0">
+                <a:solidFill>
+                  <a:srgbClr val="000000"/>
+                </a:solidFill>
+                <a:latin typeface="Myriad Pro" pitchFamily="18"/>
+                <a:ea typeface="MS PGothic" pitchFamily="49"/>
+                <a:cs typeface="Arial" pitchFamily="2"/>
+              </a:rPr>
+              <a:t>Принцип 4 – </a:t>
+            </a:r>
+            <a:r>
+              <a:rPr lang="ru-RU" sz="2000" dirty="0">
+                <a:solidFill>
+                  <a:srgbClr val="FF0000"/>
+                </a:solidFill>
+                <a:latin typeface="Myriad Pro" pitchFamily="18"/>
+                <a:ea typeface="MS PGothic" pitchFamily="49"/>
+                <a:cs typeface="Arial" pitchFamily="2"/>
+              </a:rPr>
+              <a:t>Скопление дефектов</a:t>
+            </a:r>
+          </a:p>
+          <a:p>
+            <a:pPr lvl="0" algn="l">
+              <a:spcBef>
+                <a:spcPts val="561"/>
+              </a:spcBef>
+              <a:spcAft>
+                <a:spcPts val="601"/>
+              </a:spcAft>
+              <a:tabLst>
+                <a:tab pos="0" algn="l"/>
+              </a:tabLst>
+            </a:pPr>
+            <a:endParaRPr lang="ru-RU" sz="2000" dirty="0">
+              <a:solidFill>
+                <a:srgbClr val="000000"/>
+              </a:solidFill>
+              <a:latin typeface="Myriad Pro" pitchFamily="18"/>
+              <a:ea typeface="MS PGothic" pitchFamily="49"/>
+              <a:cs typeface="Arial" pitchFamily="2"/>
+            </a:endParaRPr>
+          </a:p>
+          <a:p>
+            <a:pPr lvl="0" algn="l">
+              <a:spcBef>
+                <a:spcPts val="561"/>
+              </a:spcBef>
+              <a:spcAft>
+                <a:spcPts val="601"/>
+              </a:spcAft>
+              <a:tabLst>
+                <a:tab pos="0" algn="l"/>
+              </a:tabLst>
+            </a:pPr>
+            <a:r>
+              <a:rPr lang="ru-RU" sz="2000" dirty="0">
+                <a:solidFill>
+                  <a:srgbClr val="000000"/>
+                </a:solidFill>
+                <a:latin typeface="Myriad Pro" pitchFamily="18"/>
+                <a:ea typeface="MS PGothic" pitchFamily="49"/>
+                <a:cs typeface="Arial" pitchFamily="2"/>
+              </a:rPr>
+              <a:t>Б</a:t>
+            </a:r>
+            <a:r>
+              <a:rPr lang="ru-RU" sz="2000" b="1" i="1" dirty="0">
+                <a:solidFill>
+                  <a:srgbClr val="000000"/>
+                </a:solidFill>
+                <a:latin typeface="Myriad Pro" pitchFamily="18"/>
+                <a:ea typeface="MS PGothic" pitchFamily="49"/>
+                <a:cs typeface="Arial" pitchFamily="2"/>
+              </a:rPr>
+              <a:t>о</a:t>
+            </a:r>
+            <a:r>
+              <a:rPr lang="ru-RU" sz="2000" dirty="0">
+                <a:solidFill>
+                  <a:srgbClr val="000000"/>
+                </a:solidFill>
+                <a:latin typeface="Myriad Pro" pitchFamily="18"/>
+                <a:ea typeface="MS PGothic" pitchFamily="49"/>
+                <a:cs typeface="Arial" pitchFamily="2"/>
+              </a:rPr>
+              <a:t>льшая часть дефектов, обнаруженных при тестировании или повлекших за собой основное количество сбоев системы, содержится в небольшом количестве модулей (Принцип </a:t>
+            </a:r>
+            <a:r>
+              <a:rPr lang="ru-RU" sz="2000" dirty="0" err="1">
+                <a:solidFill>
+                  <a:srgbClr val="000000"/>
+                </a:solidFill>
+                <a:latin typeface="Myriad Pro" pitchFamily="18"/>
+                <a:ea typeface="MS PGothic" pitchFamily="49"/>
+                <a:cs typeface="Arial" pitchFamily="2"/>
+              </a:rPr>
+              <a:t>Паретто</a:t>
+            </a:r>
+            <a:r>
+              <a:rPr lang="ru-RU" sz="2000" dirty="0">
+                <a:solidFill>
+                  <a:srgbClr val="000000"/>
+                </a:solidFill>
+                <a:latin typeface="Myriad Pro" pitchFamily="18"/>
+                <a:ea typeface="MS PGothic" pitchFamily="49"/>
+                <a:cs typeface="Arial" pitchFamily="2"/>
+              </a:rPr>
+              <a:t> - 80/20)</a:t>
+            </a:r>
+          </a:p>
+          <a:p>
+            <a:endParaRPr lang="ru-BY" dirty="0"/>
+          </a:p>
+        </p:txBody>
+      </p:sp>
+      <p:sp>
+        <p:nvSpPr>
+          <p:cNvPr id="4" name="Дата 3">
+            <a:extLst>
+              <a:ext uri="{FF2B5EF4-FFF2-40B4-BE49-F238E27FC236}">
+                <a16:creationId xmlns:a16="http://schemas.microsoft.com/office/drawing/2014/main" id="{2C300D0D-37C4-45C0-802F-79C86D594CC5}"/>
+              </a:ext>
+            </a:extLst>
+          </p:cNvPr>
+          <p:cNvSpPr>
+            <a:spLocks noGrp="1"/>
+          </p:cNvSpPr>
+          <p:nvPr>
+            <p:ph type="dt" sz="half" idx="10"/>
+          </p:nvPr>
+        </p:nvSpPr>
+        <p:spPr/>
+        <p:txBody>
+          <a:bodyPr/>
+          <a:lstStyle/>
+          <a:p>
+            <a:pPr rtl="0"/>
+            <a:fld id="{BE289488-0C23-4DC8-A9FA-240659547385}" type="datetime1">
+              <a:rPr lang="ru-RU" smtClean="0"/>
+              <a:t>02.07.2022</a:t>
+            </a:fld>
+            <a:endParaRPr lang="en-US" dirty="0"/>
+          </a:p>
+        </p:txBody>
+      </p:sp>
+    </p:spTree>
+    <p:extLst>
+      <p:ext uri="{BB962C8B-B14F-4D97-AF65-F5344CB8AC3E}">
+        <p14:creationId xmlns:p14="http://schemas.microsoft.com/office/powerpoint/2010/main" val="3087498938"/>
+      </p:ext>
+    </p:extLst>
+  </p:cSld>
+  <p:clrMapOvr>
+    <a:masterClrMapping/>
+  </p:clrMapOvr>
+</p:sld>
+</file>
+
+<file path=ppt/slides/slide21.xml><?xml version="1.0" encoding="utf-8"?>
+<p:sld xmlns:a="http://schemas.openxmlformats.org/drawingml/2006/main" xmlns:r="http://schemas.openxmlformats.org/officeDocument/2006/relationships" xmlns:p="http://schemas.openxmlformats.org/presentationml/2006/main">
+  <p:cSld>
+    <p:spTree>
+      <p:nvGrpSpPr>
+        <p:cNvPr id="1" name=""/>
+        <p:cNvGrpSpPr/>
+        <p:nvPr/>
+      </p:nvGrpSpPr>
+      <p:grpSpPr>
+        <a:xfrm>
+          <a:off x="0" y="0"/>
+          <a:ext cx="0" cy="0"/>
+          <a:chOff x="0" y="0"/>
+          <a:chExt cx="0" cy="0"/>
+        </a:xfrm>
+      </p:grpSpPr>
+      <p:sp>
+        <p:nvSpPr>
+          <p:cNvPr id="2" name="Заголовок 1">
+            <a:extLst>
+              <a:ext uri="{FF2B5EF4-FFF2-40B4-BE49-F238E27FC236}">
+                <a16:creationId xmlns:a16="http://schemas.microsoft.com/office/drawing/2014/main" id="{8914AB53-1FA8-4A63-9252-DFC96C0D73D6}"/>
+              </a:ext>
+            </a:extLst>
+          </p:cNvPr>
+          <p:cNvSpPr>
+            <a:spLocks noGrp="1"/>
+          </p:cNvSpPr>
+          <p:nvPr>
+            <p:ph type="title"/>
+          </p:nvPr>
+        </p:nvSpPr>
+        <p:spPr/>
+        <p:txBody>
+          <a:bodyPr/>
+          <a:lstStyle/>
+          <a:p>
+            <a:r>
+              <a:rPr lang="ru-RU" dirty="0"/>
+              <a:t>7 принципов тестирования (5/7)</a:t>
+            </a:r>
+            <a:endParaRPr lang="ru-BY" dirty="0"/>
+          </a:p>
+        </p:txBody>
+      </p:sp>
+      <p:sp>
+        <p:nvSpPr>
+          <p:cNvPr id="3" name="Объект 2">
+            <a:extLst>
+              <a:ext uri="{FF2B5EF4-FFF2-40B4-BE49-F238E27FC236}">
+                <a16:creationId xmlns:a16="http://schemas.microsoft.com/office/drawing/2014/main" id="{1A80A38D-08D1-4F00-BE41-01E64FDDEC0C}"/>
+              </a:ext>
+            </a:extLst>
+          </p:cNvPr>
+          <p:cNvSpPr>
+            <a:spLocks noGrp="1"/>
+          </p:cNvSpPr>
+          <p:nvPr>
+            <p:ph idx="1"/>
+          </p:nvPr>
+        </p:nvSpPr>
+        <p:spPr/>
+        <p:txBody>
+          <a:bodyPr/>
+          <a:lstStyle/>
+          <a:p>
+            <a:pPr marL="0" lvl="0" indent="0" algn="l">
+              <a:spcBef>
+                <a:spcPts val="561"/>
+              </a:spcBef>
+              <a:spcAft>
+                <a:spcPts val="601"/>
+              </a:spcAft>
+              <a:buNone/>
+              <a:tabLst>
+                <a:tab pos="343080" algn="l"/>
+              </a:tabLst>
+            </a:pPr>
+            <a:r>
+              <a:rPr lang="ru-RU" sz="2000" dirty="0">
+                <a:solidFill>
+                  <a:srgbClr val="000000"/>
+                </a:solidFill>
+                <a:latin typeface="Myriad Pro" pitchFamily="18"/>
+                <a:ea typeface="MS PGothic" pitchFamily="49"/>
+                <a:cs typeface="Arial" pitchFamily="34"/>
+              </a:rPr>
+              <a:t>Принцип 5 – </a:t>
+            </a:r>
+            <a:r>
+              <a:rPr lang="ru-RU" sz="2000" dirty="0">
+                <a:solidFill>
+                  <a:srgbClr val="FF0000"/>
+                </a:solidFill>
+                <a:latin typeface="Myriad Pro" pitchFamily="18"/>
+                <a:ea typeface="MS PGothic" pitchFamily="49"/>
+                <a:cs typeface="Arial" pitchFamily="34"/>
+              </a:rPr>
+              <a:t>Парадокс пестицида</a:t>
+            </a:r>
+          </a:p>
+          <a:p>
+            <a:pPr lvl="0" algn="l">
+              <a:spcBef>
+                <a:spcPts val="561"/>
+              </a:spcBef>
+              <a:spcAft>
+                <a:spcPts val="601"/>
+              </a:spcAft>
+              <a:tabLst>
+                <a:tab pos="0" algn="l"/>
+              </a:tabLst>
+            </a:pPr>
+            <a:endParaRPr lang="ru-RU" sz="2000" dirty="0">
+              <a:solidFill>
+                <a:srgbClr val="000000"/>
+              </a:solidFill>
+              <a:latin typeface="Myriad Pro" pitchFamily="18"/>
+              <a:ea typeface="MS PGothic" pitchFamily="49"/>
+              <a:cs typeface="Arial" pitchFamily="34"/>
+            </a:endParaRPr>
+          </a:p>
+          <a:p>
+            <a:pPr lvl="0" algn="l">
+              <a:spcBef>
+                <a:spcPts val="561"/>
+              </a:spcBef>
+              <a:spcAft>
+                <a:spcPts val="601"/>
+              </a:spcAft>
+              <a:tabLst>
+                <a:tab pos="0" algn="l"/>
+              </a:tabLst>
+            </a:pPr>
+            <a:r>
+              <a:rPr lang="ru-RU" sz="2000" dirty="0">
+                <a:solidFill>
+                  <a:srgbClr val="000000"/>
+                </a:solidFill>
+                <a:latin typeface="Myriad Pro" pitchFamily="18"/>
+                <a:ea typeface="MS PGothic" pitchFamily="49"/>
+                <a:cs typeface="Arial" pitchFamily="34"/>
+              </a:rPr>
+              <a:t>Если одни и  те же тесты будут прогоняться много раз, в конечном счете этот набор тестовых сценариев больше не будет находить новых дефектов.</a:t>
+            </a:r>
+          </a:p>
+          <a:p>
+            <a:endParaRPr lang="ru-BY" dirty="0"/>
+          </a:p>
+        </p:txBody>
+      </p:sp>
+      <p:sp>
+        <p:nvSpPr>
+          <p:cNvPr id="4" name="Дата 3">
+            <a:extLst>
+              <a:ext uri="{FF2B5EF4-FFF2-40B4-BE49-F238E27FC236}">
+                <a16:creationId xmlns:a16="http://schemas.microsoft.com/office/drawing/2014/main" id="{4AFC46A7-C27B-4645-A973-C9E7A928990B}"/>
+              </a:ext>
+            </a:extLst>
+          </p:cNvPr>
+          <p:cNvSpPr>
+            <a:spLocks noGrp="1"/>
+          </p:cNvSpPr>
+          <p:nvPr>
+            <p:ph type="dt" sz="half" idx="10"/>
+          </p:nvPr>
+        </p:nvSpPr>
+        <p:spPr/>
+        <p:txBody>
+          <a:bodyPr/>
+          <a:lstStyle/>
+          <a:p>
+            <a:pPr rtl="0"/>
+            <a:fld id="{BE289488-0C23-4DC8-A9FA-240659547385}" type="datetime1">
+              <a:rPr lang="ru-RU" smtClean="0"/>
+              <a:t>02.07.2022</a:t>
+            </a:fld>
+            <a:endParaRPr lang="en-US" dirty="0"/>
+          </a:p>
+        </p:txBody>
+      </p:sp>
+    </p:spTree>
+    <p:extLst>
+      <p:ext uri="{BB962C8B-B14F-4D97-AF65-F5344CB8AC3E}">
+        <p14:creationId xmlns:p14="http://schemas.microsoft.com/office/powerpoint/2010/main" val="3326565856"/>
+      </p:ext>
+    </p:extLst>
+  </p:cSld>
+  <p:clrMapOvr>
+    <a:masterClrMapping/>
+  </p:clrMapOvr>
+</p:sld>
+</file>
+
+<file path=ppt/slides/slide22.xml><?xml version="1.0" encoding="utf-8"?>
+<p:sld xmlns:a="http://schemas.openxmlformats.org/drawingml/2006/main" xmlns:r="http://schemas.openxmlformats.org/officeDocument/2006/relationships" xmlns:p="http://schemas.openxmlformats.org/presentationml/2006/main">
+  <p:cSld>
+    <p:spTree>
+      <p:nvGrpSpPr>
+        <p:cNvPr id="1" name=""/>
+        <p:cNvGrpSpPr/>
+        <p:nvPr/>
+      </p:nvGrpSpPr>
+      <p:grpSpPr>
+        <a:xfrm>
+          <a:off x="0" y="0"/>
+          <a:ext cx="0" cy="0"/>
+          <a:chOff x="0" y="0"/>
+          <a:chExt cx="0" cy="0"/>
+        </a:xfrm>
+      </p:grpSpPr>
+      <p:sp>
+        <p:nvSpPr>
+          <p:cNvPr id="2" name="Заголовок 1">
+            <a:extLst>
+              <a:ext uri="{FF2B5EF4-FFF2-40B4-BE49-F238E27FC236}">
                 <a16:creationId xmlns:a16="http://schemas.microsoft.com/office/drawing/2014/main" id="{2C086B42-8B09-494B-952E-B0C2AAD7CD09}"/>
               </a:ext>
             </a:extLst>
@@ -6859,7 +8076,7 @@
             <a:pPr rtl="0"/>
             <a:fld id="{BE289488-0C23-4DC8-A9FA-240659547385}" type="datetime1">
               <a:rPr lang="ru-RU" smtClean="0"/>
-              <a:t>13.04.2022</a:t>
+              <a:t>02.07.2022</a:t>
             </a:fld>
             <a:endParaRPr lang="en-US" dirty="0"/>
           </a:p>
@@ -6878,7 +8095,7 @@
 </p:sld>
 </file>
 
-<file path=ppt/slides/slide19.xml><?xml version="1.0" encoding="utf-8"?>
+<file path=ppt/slides/slide23.xml><?xml version="1.0" encoding="utf-8"?>
 <p:sld xmlns:a="http://schemas.openxmlformats.org/drawingml/2006/main" xmlns:r="http://schemas.openxmlformats.org/officeDocument/2006/relationships" xmlns:p="http://schemas.openxmlformats.org/presentationml/2006/main">
   <p:cSld>
     <p:spTree>
@@ -7091,7 +8308,7 @@
             <a:pPr rtl="0"/>
             <a:fld id="{BE289488-0C23-4DC8-A9FA-240659547385}" type="datetime1">
               <a:rPr lang="ru-RU" smtClean="0"/>
-              <a:t>13.04.2022</a:t>
+              <a:t>02.07.2022</a:t>
             </a:fld>
             <a:endParaRPr lang="en-US" dirty="0"/>
           </a:p>
@@ -7101,326 +8318,6 @@
     <p:extLst>
       <p:ext uri="{BB962C8B-B14F-4D97-AF65-F5344CB8AC3E}">
         <p14:creationId xmlns:p14="http://schemas.microsoft.com/office/powerpoint/2010/main" val="2035543177"/>
-      </p:ext>
-    </p:extLst>
-  </p:cSld>
-  <p:clrMapOvr>
-    <a:masterClrMapping/>
-  </p:clrMapOvr>
-</p:sld>
-</file>
-
-<file path=ppt/slides/slide2.xml><?xml version="1.0" encoding="utf-8"?>
-<p:sld xmlns:a="http://schemas.openxmlformats.org/drawingml/2006/main" xmlns:r="http://schemas.openxmlformats.org/officeDocument/2006/relationships" xmlns:p="http://schemas.openxmlformats.org/presentationml/2006/main">
-  <p:cSld>
-    <p:spTree>
-      <p:nvGrpSpPr>
-        <p:cNvPr id="1" name=""/>
-        <p:cNvGrpSpPr/>
-        <p:nvPr/>
-      </p:nvGrpSpPr>
-      <p:grpSpPr>
-        <a:xfrm>
-          <a:off x="0" y="0"/>
-          <a:ext cx="0" cy="0"/>
-          <a:chOff x="0" y="0"/>
-          <a:chExt cx="0" cy="0"/>
-        </a:xfrm>
-      </p:grpSpPr>
-      <p:sp>
-        <p:nvSpPr>
-          <p:cNvPr id="2" name="Заголовок 1">
-            <a:extLst>
-              <a:ext uri="{FF2B5EF4-FFF2-40B4-BE49-F238E27FC236}">
-                <a16:creationId xmlns:a16="http://schemas.microsoft.com/office/drawing/2014/main" id="{9FF4FE27-8898-4F30-8FA5-1A8B698C290A}"/>
-              </a:ext>
-            </a:extLst>
-          </p:cNvPr>
-          <p:cNvSpPr>
-            <a:spLocks noGrp="1"/>
-          </p:cNvSpPr>
-          <p:nvPr>
-            <p:ph type="title"/>
-          </p:nvPr>
-        </p:nvSpPr>
-        <p:spPr/>
-        <p:txBody>
-          <a:bodyPr/>
-          <a:lstStyle/>
-          <a:p>
-            <a:r>
-              <a:rPr lang="ru-RU" dirty="0"/>
-              <a:t>Почему тестирование необходимо?</a:t>
-            </a:r>
-            <a:endParaRPr lang="ru-BY" dirty="0"/>
-          </a:p>
-        </p:txBody>
-      </p:sp>
-      <p:sp>
-        <p:nvSpPr>
-          <p:cNvPr id="3" name="Объект 2">
-            <a:extLst>
-              <a:ext uri="{FF2B5EF4-FFF2-40B4-BE49-F238E27FC236}">
-                <a16:creationId xmlns:a16="http://schemas.microsoft.com/office/drawing/2014/main" id="{73B20060-A0E1-429A-AEE0-A89D53466D13}"/>
-              </a:ext>
-            </a:extLst>
-          </p:cNvPr>
-          <p:cNvSpPr>
-            <a:spLocks noGrp="1"/>
-          </p:cNvSpPr>
-          <p:nvPr>
-            <p:ph idx="1"/>
-          </p:nvPr>
-        </p:nvSpPr>
-        <p:spPr/>
-        <p:txBody>
-          <a:bodyPr/>
-          <a:lstStyle/>
-          <a:p>
-            <a:pPr marL="0" marR="0" lvl="0" indent="0" algn="just" rtl="0" hangingPunct="0">
-              <a:lnSpc>
-                <a:spcPct val="100000"/>
-              </a:lnSpc>
-              <a:spcBef>
-                <a:spcPts val="0"/>
-              </a:spcBef>
-              <a:spcAft>
-                <a:spcPts val="0"/>
-              </a:spcAft>
-              <a:buNone/>
-              <a:tabLst/>
-            </a:pPr>
-            <a:r>
-              <a:rPr lang="ru-RU" sz="2000" b="0" i="0" u="none" strike="noStrike" kern="1200" cap="none" spc="0" baseline="0" dirty="0">
-                <a:ln>
-                  <a:noFill/>
-                </a:ln>
-                <a:solidFill>
-                  <a:srgbClr val="000000"/>
-                </a:solidFill>
-                <a:highlight>
-                  <a:scrgbClr r="0" g="0" b="0">
-                    <a:alpha val="0"/>
-                  </a:scrgbClr>
-                </a:highlight>
-                <a:latin typeface="Myriad Pro" pitchFamily="18"/>
-                <a:ea typeface="MS PGothic" pitchFamily="49"/>
-                <a:cs typeface="Arial" pitchFamily="34"/>
-              </a:rPr>
-              <a:t>Тестирование необходимо, потому что </a:t>
-            </a:r>
-            <a:r>
-              <a:rPr lang="ru-RU" sz="2000" b="0" i="0" u="none" strike="noStrike" kern="1200" cap="none" spc="0" baseline="0" dirty="0">
-                <a:ln>
-                  <a:noFill/>
-                </a:ln>
-                <a:solidFill>
-                  <a:srgbClr val="FF0000"/>
-                </a:solidFill>
-                <a:highlight>
-                  <a:scrgbClr r="0" g="0" b="0">
-                    <a:alpha val="0"/>
-                  </a:scrgbClr>
-                </a:highlight>
-                <a:latin typeface="Myriad Pro" pitchFamily="18"/>
-                <a:ea typeface="MS PGothic" pitchFamily="49"/>
-                <a:cs typeface="Arial" pitchFamily="34"/>
-              </a:rPr>
-              <a:t>люди склонны ошибаться</a:t>
-            </a:r>
-            <a:r>
-              <a:rPr lang="ru-RU" sz="2000" b="0" i="0" u="none" strike="noStrike" kern="1200" cap="none" spc="0" baseline="0" dirty="0">
-                <a:ln>
-                  <a:noFill/>
-                </a:ln>
-                <a:solidFill>
-                  <a:srgbClr val="000000"/>
-                </a:solidFill>
-                <a:highlight>
-                  <a:scrgbClr r="0" g="0" b="0">
-                    <a:alpha val="0"/>
-                  </a:scrgbClr>
-                </a:highlight>
-                <a:latin typeface="Myriad Pro" pitchFamily="18"/>
-                <a:ea typeface="MS PGothic" pitchFamily="49"/>
-                <a:cs typeface="Arial" pitchFamily="34"/>
-              </a:rPr>
-              <a:t>. Одни ошибки незначительны, другие же опасны и дорого обходятся.</a:t>
-            </a:r>
-          </a:p>
-          <a:p>
-            <a:pPr marL="0" marR="0" lvl="0" indent="0" rtl="0" hangingPunct="0">
-              <a:lnSpc>
-                <a:spcPct val="100000"/>
-              </a:lnSpc>
-              <a:spcBef>
-                <a:spcPts val="0"/>
-              </a:spcBef>
-              <a:spcAft>
-                <a:spcPts val="0"/>
-              </a:spcAft>
-              <a:buNone/>
-              <a:tabLst/>
-            </a:pPr>
-            <a:endParaRPr lang="ru-RU" sz="2000" b="0" i="0" u="none" strike="noStrike" kern="1200" cap="none" spc="0" baseline="0" dirty="0">
-              <a:ln>
-                <a:noFill/>
-              </a:ln>
-              <a:solidFill>
-                <a:srgbClr val="000000"/>
-              </a:solidFill>
-              <a:highlight>
-                <a:scrgbClr r="0" g="0" b="0">
-                  <a:alpha val="0"/>
-                </a:scrgbClr>
-              </a:highlight>
-              <a:latin typeface="Myriad Pro" pitchFamily="18"/>
-              <a:ea typeface="MS PGothic" pitchFamily="49"/>
-              <a:cs typeface="Arial" pitchFamily="34"/>
-            </a:endParaRPr>
-          </a:p>
-          <a:p>
-            <a:pPr marL="0" marR="0" lvl="0" indent="0" algn="just" rtl="0" hangingPunct="0">
-              <a:lnSpc>
-                <a:spcPct val="100000"/>
-              </a:lnSpc>
-              <a:spcBef>
-                <a:spcPts val="0"/>
-              </a:spcBef>
-              <a:spcAft>
-                <a:spcPts val="0"/>
-              </a:spcAft>
-              <a:buNone/>
-              <a:tabLst/>
-            </a:pPr>
-            <a:r>
-              <a:rPr lang="ru-RU" sz="2000" b="0" i="0" u="none" strike="noStrike" kern="1200" cap="none" spc="0" baseline="0" dirty="0">
-                <a:ln>
-                  <a:noFill/>
-                </a:ln>
-                <a:solidFill>
-                  <a:srgbClr val="000000"/>
-                </a:solidFill>
-                <a:highlight>
-                  <a:scrgbClr r="0" g="0" b="0">
-                    <a:alpha val="0"/>
-                  </a:scrgbClr>
-                </a:highlight>
-                <a:latin typeface="Myriad Pro" pitchFamily="18"/>
-                <a:ea typeface="MS PGothic" pitchFamily="49"/>
-                <a:cs typeface="Arial" pitchFamily="34"/>
-              </a:rPr>
-              <a:t>Поскольку ошибки допускают все люди, мы должны внимательно проверять результаты своей (и чужой </a:t>
-            </a:r>
-            <a:r>
-              <a:rPr lang="en-US" sz="2000" b="0" i="0" u="none" strike="noStrike" kern="1200" cap="none" spc="0" baseline="0" dirty="0">
-                <a:ln>
-                  <a:noFill/>
-                </a:ln>
-                <a:solidFill>
-                  <a:srgbClr val="000000"/>
-                </a:solidFill>
-                <a:highlight>
-                  <a:scrgbClr r="0" g="0" b="0">
-                    <a:alpha val="0"/>
-                  </a:scrgbClr>
-                </a:highlight>
-                <a:latin typeface="Myriad Pro" pitchFamily="18"/>
-                <a:ea typeface="MS PGothic" pitchFamily="49"/>
-                <a:cs typeface="Arial" pitchFamily="34"/>
-              </a:rPr>
-              <a:t>;)</a:t>
-            </a:r>
-            <a:r>
-              <a:rPr lang="ru-RU" sz="2000" b="0" i="0" u="none" strike="noStrike" kern="1200" cap="none" spc="0" baseline="0" dirty="0">
-                <a:ln>
-                  <a:noFill/>
-                </a:ln>
-                <a:solidFill>
-                  <a:srgbClr val="000000"/>
-                </a:solidFill>
-                <a:highlight>
-                  <a:scrgbClr r="0" g="0" b="0">
-                    <a:alpha val="0"/>
-                  </a:scrgbClr>
-                </a:highlight>
-                <a:latin typeface="Myriad Pro" pitchFamily="18"/>
-                <a:ea typeface="MS PGothic" pitchFamily="49"/>
-                <a:cs typeface="Arial" pitchFamily="34"/>
-              </a:rPr>
-              <a:t> ) работы, всего, что мы делаем.</a:t>
-            </a:r>
-          </a:p>
-          <a:p>
-            <a:pPr marL="0" marR="0" lvl="0" indent="0" rtl="0" hangingPunct="0">
-              <a:lnSpc>
-                <a:spcPct val="100000"/>
-              </a:lnSpc>
-              <a:spcBef>
-                <a:spcPts val="0"/>
-              </a:spcBef>
-              <a:spcAft>
-                <a:spcPts val="0"/>
-              </a:spcAft>
-              <a:buNone/>
-              <a:tabLst/>
-            </a:pPr>
-            <a:endParaRPr lang="en-US" sz="2000" b="0" i="0" u="none" strike="noStrike" kern="1200" cap="none" spc="0" baseline="0" dirty="0">
-              <a:ln>
-                <a:noFill/>
-              </a:ln>
-              <a:solidFill>
-                <a:srgbClr val="000000"/>
-              </a:solidFill>
-              <a:highlight>
-                <a:scrgbClr r="0" g="0" b="0">
-                  <a:alpha val="0"/>
-                </a:scrgbClr>
-              </a:highlight>
-              <a:latin typeface="Myriad Pro" pitchFamily="18"/>
-              <a:ea typeface="MS PGothic" pitchFamily="49"/>
-              <a:cs typeface="Arial" pitchFamily="34"/>
-            </a:endParaRPr>
-          </a:p>
-          <a:p>
-            <a:endParaRPr lang="ru-BY" dirty="0"/>
-          </a:p>
-        </p:txBody>
-      </p:sp>
-      <p:sp>
-        <p:nvSpPr>
-          <p:cNvPr id="4" name="Дата 3">
-            <a:extLst>
-              <a:ext uri="{FF2B5EF4-FFF2-40B4-BE49-F238E27FC236}">
-                <a16:creationId xmlns:a16="http://schemas.microsoft.com/office/drawing/2014/main" id="{49903A16-145C-4B98-8FAC-7F908B6D7C45}"/>
-              </a:ext>
-            </a:extLst>
-          </p:cNvPr>
-          <p:cNvSpPr>
-            <a:spLocks noGrp="1"/>
-          </p:cNvSpPr>
-          <p:nvPr>
-            <p:ph type="dt" sz="half" idx="10"/>
-          </p:nvPr>
-        </p:nvSpPr>
-        <p:spPr/>
-        <p:txBody>
-          <a:bodyPr/>
-          <a:lstStyle/>
-          <a:p>
-            <a:pPr rtl="0"/>
-            <a:fld id="{BE289488-0C23-4DC8-A9FA-240659547385}" type="datetime1">
-              <a:rPr lang="ru-RU" smtClean="0"/>
-              <a:t>13.04.2022</a:t>
-            </a:fld>
-            <a:endParaRPr lang="en-US" dirty="0"/>
-          </a:p>
-        </p:txBody>
-      </p:sp>
-    </p:spTree>
-    <p:extLst>
-      <p:ext uri="{BB962C8B-B14F-4D97-AF65-F5344CB8AC3E}">
-        <p14:creationId xmlns:p14="http://schemas.microsoft.com/office/powerpoint/2010/main" val="3030683153"/>
       </p:ext>
     </p:extLst>
   </p:cSld>
@@ -7818,7 +8715,7 @@
             <a:pPr rtl="0"/>
             <a:fld id="{BE289488-0C23-4DC8-A9FA-240659547385}" type="datetime1">
               <a:rPr lang="ru-RU" smtClean="0"/>
-              <a:t>13.04.2022</a:t>
+              <a:t>02.07.2022</a:t>
             </a:fld>
             <a:endParaRPr lang="en-US" dirty="0"/>
           </a:p>
@@ -8163,7 +9060,7 @@
             <a:pPr rtl="0"/>
             <a:fld id="{BE289488-0C23-4DC8-A9FA-240659547385}" type="datetime1">
               <a:rPr lang="ru-RU" smtClean="0"/>
-              <a:t>13.04.2022</a:t>
+              <a:t>02.07.2022</a:t>
             </a:fld>
             <a:endParaRPr lang="en-US" dirty="0"/>
           </a:p>
@@ -8398,7 +9295,7 @@
             <a:pPr rtl="0"/>
             <a:fld id="{BE289488-0C23-4DC8-A9FA-240659547385}" type="datetime1">
               <a:rPr lang="ru-RU" smtClean="0"/>
-              <a:t>13.04.2022</a:t>
+              <a:t>02.07.2022</a:t>
             </a:fld>
             <a:endParaRPr lang="en-US" dirty="0"/>
           </a:p>
@@ -8696,7 +9593,7 @@
             <a:pPr rtl="0"/>
             <a:fld id="{BE289488-0C23-4DC8-A9FA-240659547385}" type="datetime1">
               <a:rPr lang="ru-RU" smtClean="0"/>
-              <a:t>13.04.2022</a:t>
+              <a:t>02.07.2022</a:t>
             </a:fld>
             <a:endParaRPr lang="en-US" dirty="0"/>
           </a:p>
@@ -9268,7 +10165,7 @@
             <a:pPr rtl="0"/>
             <a:fld id="{BE289488-0C23-4DC8-A9FA-240659547385}" type="datetime1">
               <a:rPr lang="ru-RU" smtClean="0"/>
-              <a:t>13.04.2022</a:t>
+              <a:t>02.07.2022</a:t>
             </a:fld>
             <a:endParaRPr lang="en-US" dirty="0"/>
           </a:p>
@@ -9679,7 +10576,7 @@
             <a:pPr rtl="0"/>
             <a:fld id="{BE289488-0C23-4DC8-A9FA-240659547385}" type="datetime1">
               <a:rPr lang="ru-RU" smtClean="0"/>
-              <a:t>13.04.2022</a:t>
+              <a:t>02.07.2022</a:t>
             </a:fld>
             <a:endParaRPr lang="en-US" dirty="0"/>
           </a:p>
@@ -10404,7 +11301,7 @@
             <a:pPr rtl="0"/>
             <a:fld id="{BE289488-0C23-4DC8-A9FA-240659547385}" type="datetime1">
               <a:rPr lang="ru-RU" smtClean="0"/>
-              <a:t>13.04.2022</a:t>
+              <a:t>02.07.2022</a:t>
             </a:fld>
             <a:endParaRPr lang="en-US" dirty="0"/>
           </a:p>
